--- a/Wireframes.pptx
+++ b/Wireframes.pptx
@@ -5,10 +5,12 @@
     <p:sldMasterId id="2147483648" r:id="rId1"/>
   </p:sldMasterIdLst>
   <p:sldIdLst>
-    <p:sldId id="256" r:id="rId2"/>
-    <p:sldId id="257" r:id="rId3"/>
-    <p:sldId id="258" r:id="rId4"/>
-    <p:sldId id="259" r:id="rId5"/>
+    <p:sldId id="257" r:id="rId2"/>
+    <p:sldId id="258" r:id="rId3"/>
+    <p:sldId id="259" r:id="rId4"/>
+    <p:sldId id="262" r:id="rId5"/>
+    <p:sldId id="264" r:id="rId6"/>
+    <p:sldId id="263" r:id="rId7"/>
   </p:sldIdLst>
   <p:sldSz cx="12192000" cy="6858000"/>
   <p:notesSz cx="6858000" cy="9144000"/>
@@ -107,6 +109,11 @@
       </a:defRPr>
     </a:lvl9pPr>
   </p:defaultTextStyle>
+  <p:extLst>
+    <p:ext uri="{EFAFB233-063F-42B5-8137-9DF3F51BA10A}">
+      <p15:sldGuideLst xmlns:p15="http://schemas.microsoft.com/office/powerpoint/2012/main"/>
+    </p:ext>
+  </p:extLst>
 </p:presentation>
 </file>
 
@@ -259,7 +266,7 @@
           <a:p>
             <a:fld id="{4F667D98-F12C-4E9D-9EB1-92A059893FEB}" type="datetimeFigureOut">
               <a:rPr lang="en-IN" smtClean="0"/>
-              <a:t>25-03-2022</a:t>
+              <a:t>18-05-2022</a:t>
             </a:fld>
             <a:endParaRPr lang="en-IN"/>
           </a:p>
@@ -459,7 +466,7 @@
           <a:p>
             <a:fld id="{4F667D98-F12C-4E9D-9EB1-92A059893FEB}" type="datetimeFigureOut">
               <a:rPr lang="en-IN" smtClean="0"/>
-              <a:t>25-03-2022</a:t>
+              <a:t>18-05-2022</a:t>
             </a:fld>
             <a:endParaRPr lang="en-IN"/>
           </a:p>
@@ -669,7 +676,7 @@
           <a:p>
             <a:fld id="{4F667D98-F12C-4E9D-9EB1-92A059893FEB}" type="datetimeFigureOut">
               <a:rPr lang="en-IN" smtClean="0"/>
-              <a:t>25-03-2022</a:t>
+              <a:t>18-05-2022</a:t>
             </a:fld>
             <a:endParaRPr lang="en-IN"/>
           </a:p>
@@ -869,7 +876,7 @@
           <a:p>
             <a:fld id="{4F667D98-F12C-4E9D-9EB1-92A059893FEB}" type="datetimeFigureOut">
               <a:rPr lang="en-IN" smtClean="0"/>
-              <a:t>25-03-2022</a:t>
+              <a:t>18-05-2022</a:t>
             </a:fld>
             <a:endParaRPr lang="en-IN"/>
           </a:p>
@@ -1145,7 +1152,7 @@
           <a:p>
             <a:fld id="{4F667D98-F12C-4E9D-9EB1-92A059893FEB}" type="datetimeFigureOut">
               <a:rPr lang="en-IN" smtClean="0"/>
-              <a:t>25-03-2022</a:t>
+              <a:t>18-05-2022</a:t>
             </a:fld>
             <a:endParaRPr lang="en-IN"/>
           </a:p>
@@ -1413,7 +1420,7 @@
           <a:p>
             <a:fld id="{4F667D98-F12C-4E9D-9EB1-92A059893FEB}" type="datetimeFigureOut">
               <a:rPr lang="en-IN" smtClean="0"/>
-              <a:t>25-03-2022</a:t>
+              <a:t>18-05-2022</a:t>
             </a:fld>
             <a:endParaRPr lang="en-IN"/>
           </a:p>
@@ -1828,7 +1835,7 @@
           <a:p>
             <a:fld id="{4F667D98-F12C-4E9D-9EB1-92A059893FEB}" type="datetimeFigureOut">
               <a:rPr lang="en-IN" smtClean="0"/>
-              <a:t>25-03-2022</a:t>
+              <a:t>18-05-2022</a:t>
             </a:fld>
             <a:endParaRPr lang="en-IN"/>
           </a:p>
@@ -1970,7 +1977,7 @@
           <a:p>
             <a:fld id="{4F667D98-F12C-4E9D-9EB1-92A059893FEB}" type="datetimeFigureOut">
               <a:rPr lang="en-IN" smtClean="0"/>
-              <a:t>25-03-2022</a:t>
+              <a:t>18-05-2022</a:t>
             </a:fld>
             <a:endParaRPr lang="en-IN"/>
           </a:p>
@@ -2083,7 +2090,7 @@
           <a:p>
             <a:fld id="{4F667D98-F12C-4E9D-9EB1-92A059893FEB}" type="datetimeFigureOut">
               <a:rPr lang="en-IN" smtClean="0"/>
-              <a:t>25-03-2022</a:t>
+              <a:t>18-05-2022</a:t>
             </a:fld>
             <a:endParaRPr lang="en-IN"/>
           </a:p>
@@ -2396,7 +2403,7 @@
           <a:p>
             <a:fld id="{4F667D98-F12C-4E9D-9EB1-92A059893FEB}" type="datetimeFigureOut">
               <a:rPr lang="en-IN" smtClean="0"/>
-              <a:t>25-03-2022</a:t>
+              <a:t>18-05-2022</a:t>
             </a:fld>
             <a:endParaRPr lang="en-IN"/>
           </a:p>
@@ -2685,7 +2692,7 @@
           <a:p>
             <a:fld id="{4F667D98-F12C-4E9D-9EB1-92A059893FEB}" type="datetimeFigureOut">
               <a:rPr lang="en-IN" smtClean="0"/>
-              <a:t>25-03-2022</a:t>
+              <a:t>18-05-2022</a:t>
             </a:fld>
             <a:endParaRPr lang="en-IN"/>
           </a:p>
@@ -2928,7 +2935,7 @@
           <a:p>
             <a:fld id="{4F667D98-F12C-4E9D-9EB1-92A059893FEB}" type="datetimeFigureOut">
               <a:rPr lang="en-IN" smtClean="0"/>
-              <a:t>25-03-2022</a:t>
+              <a:t>18-05-2022</a:t>
             </a:fld>
             <a:endParaRPr lang="en-IN"/>
           </a:p>
@@ -3396,10 +3403,10 @@
       </p:sp>
       <p:sp>
         <p:nvSpPr>
-          <p:cNvPr id="5" name="Rectangle 4">
-            <a:extLst>
-              <a:ext uri="{FF2B5EF4-FFF2-40B4-BE49-F238E27FC236}">
-                <a16:creationId xmlns:a16="http://schemas.microsoft.com/office/drawing/2014/main" id="{1668C603-0114-4200-B8C9-CFDDC5ED2145}"/>
+          <p:cNvPr id="2" name="Rectangle 1">
+            <a:extLst>
+              <a:ext uri="{FF2B5EF4-FFF2-40B4-BE49-F238E27FC236}">
+                <a16:creationId xmlns:a16="http://schemas.microsoft.com/office/drawing/2014/main" id="{14F2B0F0-2DB3-4005-94E4-6B18C8DA5FCA}"/>
               </a:ext>
             </a:extLst>
           </p:cNvPr>
@@ -3408,15 +3415,12 @@
         </p:nvSpPr>
         <p:spPr>
           <a:xfrm>
-            <a:off x="3846443" y="1143000"/>
-            <a:ext cx="4412974" cy="3399183"/>
+            <a:off x="2067339" y="-29497"/>
+            <a:ext cx="1590261" cy="844826"/>
           </a:xfrm>
           <a:prstGeom prst="rect">
             <a:avLst/>
           </a:prstGeom>
-          <a:solidFill>
-            <a:schemeClr val="bg1"/>
-          </a:solidFill>
         </p:spPr>
         <p:style>
           <a:lnRef idx="2">
@@ -3439,16 +3443,20 @@
           <a:lstStyle/>
           <a:p>
             <a:pPr algn="ctr"/>
-            <a:endParaRPr lang="en-IN"/>
-          </a:p>
-        </p:txBody>
-      </p:sp>
-      <p:sp>
-        <p:nvSpPr>
-          <p:cNvPr id="6" name="Rectangle 5">
-            <a:extLst>
-              <a:ext uri="{FF2B5EF4-FFF2-40B4-BE49-F238E27FC236}">
-                <a16:creationId xmlns:a16="http://schemas.microsoft.com/office/drawing/2014/main" id="{4E26C651-668F-4FB3-A9DB-C88D4C91CC4F}"/>
+            <a:r>
+              <a:rPr lang="en-US" dirty="0"/>
+              <a:t>Student</a:t>
+            </a:r>
+            <a:endParaRPr lang="en-IN" dirty="0"/>
+          </a:p>
+        </p:txBody>
+      </p:sp>
+      <p:sp>
+        <p:nvSpPr>
+          <p:cNvPr id="9" name="Rectangle 8">
+            <a:extLst>
+              <a:ext uri="{FF2B5EF4-FFF2-40B4-BE49-F238E27FC236}">
+                <a16:creationId xmlns:a16="http://schemas.microsoft.com/office/drawing/2014/main" id="{87E8F18E-100E-4D39-A98A-165FB37EEB4B}"/>
               </a:ext>
             </a:extLst>
           </p:cNvPr>
@@ -3457,15 +3465,12 @@
         </p:nvSpPr>
         <p:spPr>
           <a:xfrm>
-            <a:off x="4134678" y="1431235"/>
-            <a:ext cx="3836505" cy="745435"/>
+            <a:off x="3657600" y="0"/>
+            <a:ext cx="1590261" cy="844826"/>
           </a:xfrm>
           <a:prstGeom prst="rect">
             <a:avLst/>
           </a:prstGeom>
-          <a:solidFill>
-            <a:schemeClr val="bg1"/>
-          </a:solidFill>
         </p:spPr>
         <p:style>
           <a:lnRef idx="2">
@@ -3487,28 +3492,21 @@
           <a:bodyPr rtlCol="0" anchor="ctr"/>
           <a:lstStyle/>
           <a:p>
-            <a:r>
-              <a:rPr lang="en-US" dirty="0">
-                <a:solidFill>
-                  <a:schemeClr val="tx1"/>
-                </a:solidFill>
-              </a:rPr>
-              <a:t>Username</a:t>
-            </a:r>
-            <a:endParaRPr lang="en-IN" dirty="0">
-              <a:solidFill>
-                <a:schemeClr val="tx1"/>
-              </a:solidFill>
-            </a:endParaRPr>
-          </a:p>
-        </p:txBody>
-      </p:sp>
-      <p:sp>
-        <p:nvSpPr>
-          <p:cNvPr id="7" name="Rectangle 6">
-            <a:extLst>
-              <a:ext uri="{FF2B5EF4-FFF2-40B4-BE49-F238E27FC236}">
-                <a16:creationId xmlns:a16="http://schemas.microsoft.com/office/drawing/2014/main" id="{5BE4C066-AEFF-4B97-A493-08746EB9DBFA}"/>
+            <a:pPr algn="ctr"/>
+            <a:r>
+              <a:rPr lang="en-US" dirty="0"/>
+              <a:t>Teacher</a:t>
+            </a:r>
+            <a:endParaRPr lang="en-IN" dirty="0"/>
+          </a:p>
+        </p:txBody>
+      </p:sp>
+      <p:sp>
+        <p:nvSpPr>
+          <p:cNvPr id="10" name="Rectangle 9">
+            <a:extLst>
+              <a:ext uri="{FF2B5EF4-FFF2-40B4-BE49-F238E27FC236}">
+                <a16:creationId xmlns:a16="http://schemas.microsoft.com/office/drawing/2014/main" id="{386A5CCE-D036-48A0-B25F-4DB906ABF76E}"/>
               </a:ext>
             </a:extLst>
           </p:cNvPr>
@@ -3517,15 +3515,12 @@
         </p:nvSpPr>
         <p:spPr>
           <a:xfrm>
-            <a:off x="4134677" y="2396987"/>
-            <a:ext cx="3836505" cy="745435"/>
+            <a:off x="5247861" y="0"/>
+            <a:ext cx="1590261" cy="844826"/>
           </a:xfrm>
           <a:prstGeom prst="rect">
             <a:avLst/>
           </a:prstGeom>
-          <a:solidFill>
-            <a:schemeClr val="bg1"/>
-          </a:solidFill>
         </p:spPr>
         <p:style>
           <a:lnRef idx="2">
@@ -3547,28 +3542,21 @@
           <a:bodyPr rtlCol="0" anchor="ctr"/>
           <a:lstStyle/>
           <a:p>
-            <a:r>
-              <a:rPr lang="en-US" dirty="0">
-                <a:solidFill>
-                  <a:schemeClr val="tx1"/>
-                </a:solidFill>
-              </a:rPr>
-              <a:t>Password</a:t>
-            </a:r>
-            <a:endParaRPr lang="en-IN" dirty="0">
-              <a:solidFill>
-                <a:schemeClr val="tx1"/>
-              </a:solidFill>
-            </a:endParaRPr>
-          </a:p>
-        </p:txBody>
-      </p:sp>
-      <p:sp>
-        <p:nvSpPr>
-          <p:cNvPr id="8" name="Rectangle 7">
-            <a:extLst>
-              <a:ext uri="{FF2B5EF4-FFF2-40B4-BE49-F238E27FC236}">
-                <a16:creationId xmlns:a16="http://schemas.microsoft.com/office/drawing/2014/main" id="{A2D37707-6D97-4F8B-9872-8E7B2CF0B261}"/>
+            <a:pPr algn="ctr"/>
+            <a:r>
+              <a:rPr lang="en-US" dirty="0"/>
+              <a:t>Class</a:t>
+            </a:r>
+            <a:endParaRPr lang="en-IN" dirty="0"/>
+          </a:p>
+        </p:txBody>
+      </p:sp>
+      <p:sp>
+        <p:nvSpPr>
+          <p:cNvPr id="11" name="Rectangle 10">
+            <a:extLst>
+              <a:ext uri="{FF2B5EF4-FFF2-40B4-BE49-F238E27FC236}">
+                <a16:creationId xmlns:a16="http://schemas.microsoft.com/office/drawing/2014/main" id="{C845D1E8-9CAC-456F-8C63-2F04B33272E4}"/>
               </a:ext>
             </a:extLst>
           </p:cNvPr>
@@ -3577,15 +3565,12 @@
         </p:nvSpPr>
         <p:spPr>
           <a:xfrm>
-            <a:off x="4134677" y="3429000"/>
-            <a:ext cx="3836505" cy="745435"/>
+            <a:off x="6838122" y="0"/>
+            <a:ext cx="1590261" cy="844826"/>
           </a:xfrm>
           <a:prstGeom prst="rect">
             <a:avLst/>
           </a:prstGeom>
-          <a:solidFill>
-            <a:srgbClr val="0070C0"/>
-          </a:solidFill>
         </p:spPr>
         <p:style>
           <a:lnRef idx="2">
@@ -3609,12 +3594,490 @@
           <a:p>
             <a:pPr algn="ctr"/>
             <a:r>
+              <a:rPr lang="en-US" dirty="0"/>
+              <a:t>Attendance</a:t>
+            </a:r>
+            <a:endParaRPr lang="en-IN" dirty="0"/>
+          </a:p>
+        </p:txBody>
+      </p:sp>
+      <p:sp>
+        <p:nvSpPr>
+          <p:cNvPr id="12" name="Rectangle 11">
+            <a:extLst>
+              <a:ext uri="{FF2B5EF4-FFF2-40B4-BE49-F238E27FC236}">
+                <a16:creationId xmlns:a16="http://schemas.microsoft.com/office/drawing/2014/main" id="{1E6C7B86-7BF0-4542-8D86-BC6975CD65AC}"/>
+              </a:ext>
+            </a:extLst>
+          </p:cNvPr>
+          <p:cNvSpPr/>
+          <p:nvPr/>
+        </p:nvSpPr>
+        <p:spPr>
+          <a:xfrm>
+            <a:off x="8428383" y="0"/>
+            <a:ext cx="1590261" cy="844826"/>
+          </a:xfrm>
+          <a:prstGeom prst="rect">
+            <a:avLst/>
+          </a:prstGeom>
+        </p:spPr>
+        <p:style>
+          <a:lnRef idx="2">
+            <a:schemeClr val="accent1">
+              <a:shade val="50000"/>
+            </a:schemeClr>
+          </a:lnRef>
+          <a:fillRef idx="1">
+            <a:schemeClr val="accent1"/>
+          </a:fillRef>
+          <a:effectRef idx="0">
+            <a:schemeClr val="accent1"/>
+          </a:effectRef>
+          <a:fontRef idx="minor">
+            <a:schemeClr val="lt1"/>
+          </a:fontRef>
+        </p:style>
+        <p:txBody>
+          <a:bodyPr rtlCol="0" anchor="ctr"/>
+          <a:lstStyle/>
+          <a:p>
+            <a:pPr algn="ctr"/>
+            <a:r>
+              <a:rPr lang="en-US" dirty="0"/>
+              <a:t>Reports</a:t>
+            </a:r>
+            <a:endParaRPr lang="en-IN" dirty="0"/>
+          </a:p>
+        </p:txBody>
+      </p:sp>
+      <p:sp>
+        <p:nvSpPr>
+          <p:cNvPr id="13" name="Rectangle 12">
+            <a:extLst>
+              <a:ext uri="{FF2B5EF4-FFF2-40B4-BE49-F238E27FC236}">
+                <a16:creationId xmlns:a16="http://schemas.microsoft.com/office/drawing/2014/main" id="{05EA3A02-1B08-4C64-9F1F-686170FD96CA}"/>
+              </a:ext>
+            </a:extLst>
+          </p:cNvPr>
+          <p:cNvSpPr/>
+          <p:nvPr/>
+        </p:nvSpPr>
+        <p:spPr>
+          <a:xfrm>
+            <a:off x="10601739" y="0"/>
+            <a:ext cx="1590261" cy="844826"/>
+          </a:xfrm>
+          <a:prstGeom prst="rect">
+            <a:avLst/>
+          </a:prstGeom>
+        </p:spPr>
+        <p:style>
+          <a:lnRef idx="2">
+            <a:schemeClr val="accent1">
+              <a:shade val="50000"/>
+            </a:schemeClr>
+          </a:lnRef>
+          <a:fillRef idx="1">
+            <a:schemeClr val="accent1"/>
+          </a:fillRef>
+          <a:effectRef idx="0">
+            <a:schemeClr val="accent1"/>
+          </a:effectRef>
+          <a:fontRef idx="minor">
+            <a:schemeClr val="lt1"/>
+          </a:fontRef>
+        </p:style>
+        <p:txBody>
+          <a:bodyPr rtlCol="0" anchor="ctr"/>
+          <a:lstStyle/>
+          <a:p>
+            <a:pPr algn="ctr"/>
+            <a:r>
+              <a:rPr lang="en-US" dirty="0"/>
+              <a:t>Logout</a:t>
+            </a:r>
+            <a:endParaRPr lang="en-IN" dirty="0"/>
+          </a:p>
+        </p:txBody>
+      </p:sp>
+      <p:sp>
+        <p:nvSpPr>
+          <p:cNvPr id="14" name="Rectangle 13">
+            <a:extLst>
+              <a:ext uri="{FF2B5EF4-FFF2-40B4-BE49-F238E27FC236}">
+                <a16:creationId xmlns:a16="http://schemas.microsoft.com/office/drawing/2014/main" id="{36484031-B4AE-4D14-B365-83676D006B81}"/>
+              </a:ext>
+            </a:extLst>
+          </p:cNvPr>
+          <p:cNvSpPr/>
+          <p:nvPr/>
+        </p:nvSpPr>
+        <p:spPr>
+          <a:xfrm>
+            <a:off x="3846443" y="1143000"/>
+            <a:ext cx="4412974" cy="5506278"/>
+          </a:xfrm>
+          <a:prstGeom prst="rect">
+            <a:avLst/>
+          </a:prstGeom>
+          <a:solidFill>
+            <a:schemeClr val="bg1"/>
+          </a:solidFill>
+        </p:spPr>
+        <p:style>
+          <a:lnRef idx="2">
+            <a:schemeClr val="accent1">
+              <a:shade val="50000"/>
+            </a:schemeClr>
+          </a:lnRef>
+          <a:fillRef idx="1">
+            <a:schemeClr val="accent1"/>
+          </a:fillRef>
+          <a:effectRef idx="0">
+            <a:schemeClr val="accent1"/>
+          </a:effectRef>
+          <a:fontRef idx="minor">
+            <a:schemeClr val="lt1"/>
+          </a:fontRef>
+        </p:style>
+        <p:txBody>
+          <a:bodyPr rtlCol="0" anchor="ctr"/>
+          <a:lstStyle/>
+          <a:p>
+            <a:pPr algn="ctr"/>
+            <a:endParaRPr lang="en-IN"/>
+          </a:p>
+        </p:txBody>
+      </p:sp>
+      <p:sp>
+        <p:nvSpPr>
+          <p:cNvPr id="15" name="Rectangle 14">
+            <a:extLst>
+              <a:ext uri="{FF2B5EF4-FFF2-40B4-BE49-F238E27FC236}">
+                <a16:creationId xmlns:a16="http://schemas.microsoft.com/office/drawing/2014/main" id="{FFF7CF36-F4FB-4491-A635-A934B8F34D17}"/>
+              </a:ext>
+            </a:extLst>
+          </p:cNvPr>
+          <p:cNvSpPr/>
+          <p:nvPr/>
+        </p:nvSpPr>
+        <p:spPr>
+          <a:xfrm>
+            <a:off x="4124738" y="1938131"/>
+            <a:ext cx="3836505" cy="745435"/>
+          </a:xfrm>
+          <a:prstGeom prst="rect">
+            <a:avLst/>
+          </a:prstGeom>
+          <a:solidFill>
+            <a:schemeClr val="bg1"/>
+          </a:solidFill>
+        </p:spPr>
+        <p:style>
+          <a:lnRef idx="2">
+            <a:schemeClr val="accent1">
+              <a:shade val="50000"/>
+            </a:schemeClr>
+          </a:lnRef>
+          <a:fillRef idx="1">
+            <a:schemeClr val="accent1"/>
+          </a:fillRef>
+          <a:effectRef idx="0">
+            <a:schemeClr val="accent1"/>
+          </a:effectRef>
+          <a:fontRef idx="minor">
+            <a:schemeClr val="lt1"/>
+          </a:fontRef>
+        </p:style>
+        <p:txBody>
+          <a:bodyPr rtlCol="0" anchor="ctr"/>
+          <a:lstStyle/>
+          <a:p>
+            <a:r>
+              <a:rPr lang="en-US" dirty="0">
+                <a:solidFill>
+                  <a:schemeClr val="tx1"/>
+                </a:solidFill>
+              </a:rPr>
+              <a:t>Student Name</a:t>
+            </a:r>
+            <a:endParaRPr lang="en-IN" dirty="0">
+              <a:solidFill>
+                <a:schemeClr val="tx1"/>
+              </a:solidFill>
+            </a:endParaRPr>
+          </a:p>
+        </p:txBody>
+      </p:sp>
+      <p:sp>
+        <p:nvSpPr>
+          <p:cNvPr id="3" name="TextBox 2">
+            <a:extLst>
+              <a:ext uri="{FF2B5EF4-FFF2-40B4-BE49-F238E27FC236}">
+                <a16:creationId xmlns:a16="http://schemas.microsoft.com/office/drawing/2014/main" id="{19DBBA04-6010-4F8B-99D1-FFA403B293D2}"/>
+              </a:ext>
+            </a:extLst>
+          </p:cNvPr>
+          <p:cNvSpPr txBox="1"/>
+          <p:nvPr/>
+        </p:nvSpPr>
+        <p:spPr>
+          <a:xfrm>
+            <a:off x="4075043" y="1282148"/>
+            <a:ext cx="2196549" cy="369332"/>
+          </a:xfrm>
+          <a:prstGeom prst="rect">
+            <a:avLst/>
+          </a:prstGeom>
+          <a:noFill/>
+        </p:spPr>
+        <p:txBody>
+          <a:bodyPr wrap="square" rtlCol="0">
+            <a:spAutoFit/>
+          </a:bodyPr>
+          <a:lstStyle/>
+          <a:p>
+            <a:r>
+              <a:rPr lang="en-US" dirty="0"/>
+              <a:t>Add Student</a:t>
+            </a:r>
+            <a:endParaRPr lang="en-IN" dirty="0"/>
+          </a:p>
+        </p:txBody>
+      </p:sp>
+      <p:sp>
+        <p:nvSpPr>
+          <p:cNvPr id="16" name="Rectangle 15">
+            <a:extLst>
+              <a:ext uri="{FF2B5EF4-FFF2-40B4-BE49-F238E27FC236}">
+                <a16:creationId xmlns:a16="http://schemas.microsoft.com/office/drawing/2014/main" id="{68B03A72-3728-44F6-9570-E25106615832}"/>
+              </a:ext>
+            </a:extLst>
+          </p:cNvPr>
+          <p:cNvSpPr/>
+          <p:nvPr/>
+        </p:nvSpPr>
+        <p:spPr>
+          <a:xfrm>
+            <a:off x="4134677" y="2891494"/>
+            <a:ext cx="3836505" cy="745435"/>
+          </a:xfrm>
+          <a:prstGeom prst="rect">
+            <a:avLst/>
+          </a:prstGeom>
+          <a:solidFill>
+            <a:schemeClr val="bg1"/>
+          </a:solidFill>
+        </p:spPr>
+        <p:style>
+          <a:lnRef idx="2">
+            <a:schemeClr val="accent1">
+              <a:shade val="50000"/>
+            </a:schemeClr>
+          </a:lnRef>
+          <a:fillRef idx="1">
+            <a:schemeClr val="accent1"/>
+          </a:fillRef>
+          <a:effectRef idx="0">
+            <a:schemeClr val="accent1"/>
+          </a:effectRef>
+          <a:fontRef idx="minor">
+            <a:schemeClr val="lt1"/>
+          </a:fontRef>
+        </p:style>
+        <p:txBody>
+          <a:bodyPr rtlCol="0" anchor="ctr"/>
+          <a:lstStyle/>
+          <a:p>
+            <a:r>
+              <a:rPr lang="en-US" dirty="0">
+                <a:solidFill>
+                  <a:schemeClr val="tx1"/>
+                </a:solidFill>
+              </a:rPr>
+              <a:t>Phone Number</a:t>
+            </a:r>
+            <a:endParaRPr lang="en-IN" dirty="0">
+              <a:solidFill>
+                <a:schemeClr val="tx1"/>
+              </a:solidFill>
+            </a:endParaRPr>
+          </a:p>
+        </p:txBody>
+      </p:sp>
+      <p:sp>
+        <p:nvSpPr>
+          <p:cNvPr id="17" name="Rectangle 16">
+            <a:extLst>
+              <a:ext uri="{FF2B5EF4-FFF2-40B4-BE49-F238E27FC236}">
+                <a16:creationId xmlns:a16="http://schemas.microsoft.com/office/drawing/2014/main" id="{2F3D44B2-9C08-4A9A-A128-0704F3E3BD74}"/>
+              </a:ext>
+            </a:extLst>
+          </p:cNvPr>
+          <p:cNvSpPr/>
+          <p:nvPr/>
+        </p:nvSpPr>
+        <p:spPr>
+          <a:xfrm>
+            <a:off x="4124738" y="3825772"/>
+            <a:ext cx="3836505" cy="745435"/>
+          </a:xfrm>
+          <a:prstGeom prst="rect">
+            <a:avLst/>
+          </a:prstGeom>
+          <a:solidFill>
+            <a:schemeClr val="bg1"/>
+          </a:solidFill>
+        </p:spPr>
+        <p:style>
+          <a:lnRef idx="2">
+            <a:schemeClr val="accent1">
+              <a:shade val="50000"/>
+            </a:schemeClr>
+          </a:lnRef>
+          <a:fillRef idx="1">
+            <a:schemeClr val="accent1"/>
+          </a:fillRef>
+          <a:effectRef idx="0">
+            <a:schemeClr val="accent1"/>
+          </a:effectRef>
+          <a:fontRef idx="minor">
+            <a:schemeClr val="lt1"/>
+          </a:fontRef>
+        </p:style>
+        <p:txBody>
+          <a:bodyPr rtlCol="0" anchor="ctr"/>
+          <a:lstStyle/>
+          <a:p>
+            <a:r>
+              <a:rPr lang="en-US" dirty="0">
+                <a:solidFill>
+                  <a:schemeClr val="tx1"/>
+                </a:solidFill>
+              </a:rPr>
+              <a:t>Address</a:t>
+            </a:r>
+            <a:endParaRPr lang="en-IN" dirty="0">
+              <a:solidFill>
+                <a:schemeClr val="tx1"/>
+              </a:solidFill>
+            </a:endParaRPr>
+          </a:p>
+        </p:txBody>
+      </p:sp>
+      <p:sp>
+        <p:nvSpPr>
+          <p:cNvPr id="18" name="Rectangle 17">
+            <a:extLst>
+              <a:ext uri="{FF2B5EF4-FFF2-40B4-BE49-F238E27FC236}">
+                <a16:creationId xmlns:a16="http://schemas.microsoft.com/office/drawing/2014/main" id="{E2628CAD-80AE-4F9A-AE8A-0B755D790C08}"/>
+              </a:ext>
+            </a:extLst>
+          </p:cNvPr>
+          <p:cNvSpPr/>
+          <p:nvPr/>
+        </p:nvSpPr>
+        <p:spPr>
+          <a:xfrm>
+            <a:off x="4124737" y="4760050"/>
+            <a:ext cx="3836505" cy="745435"/>
+          </a:xfrm>
+          <a:prstGeom prst="rect">
+            <a:avLst/>
+          </a:prstGeom>
+          <a:solidFill>
+            <a:schemeClr val="bg1"/>
+          </a:solidFill>
+        </p:spPr>
+        <p:style>
+          <a:lnRef idx="2">
+            <a:schemeClr val="accent1">
+              <a:shade val="50000"/>
+            </a:schemeClr>
+          </a:lnRef>
+          <a:fillRef idx="1">
+            <a:schemeClr val="accent1"/>
+          </a:fillRef>
+          <a:effectRef idx="0">
+            <a:schemeClr val="accent1"/>
+          </a:effectRef>
+          <a:fontRef idx="minor">
+            <a:schemeClr val="lt1"/>
+          </a:fontRef>
+        </p:style>
+        <p:txBody>
+          <a:bodyPr rtlCol="0" anchor="ctr"/>
+          <a:lstStyle/>
+          <a:p>
+            <a:r>
+              <a:rPr lang="en-US" dirty="0">
+                <a:solidFill>
+                  <a:schemeClr val="tx1"/>
+                </a:solidFill>
+              </a:rPr>
+              <a:t>Parent Phone Number</a:t>
+            </a:r>
+            <a:endParaRPr lang="en-IN" dirty="0">
+              <a:solidFill>
+                <a:schemeClr val="tx1"/>
+              </a:solidFill>
+            </a:endParaRPr>
+          </a:p>
+        </p:txBody>
+      </p:sp>
+      <p:sp>
+        <p:nvSpPr>
+          <p:cNvPr id="19" name="Rectangle 18">
+            <a:extLst>
+              <a:ext uri="{FF2B5EF4-FFF2-40B4-BE49-F238E27FC236}">
+                <a16:creationId xmlns:a16="http://schemas.microsoft.com/office/drawing/2014/main" id="{56E1948D-8F00-42F1-B303-72BFF9E0B3FF}"/>
+              </a:ext>
+            </a:extLst>
+          </p:cNvPr>
+          <p:cNvSpPr/>
+          <p:nvPr/>
+        </p:nvSpPr>
+        <p:spPr>
+          <a:xfrm>
+            <a:off x="4124736" y="5663717"/>
+            <a:ext cx="3836505" cy="745435"/>
+          </a:xfrm>
+          <a:prstGeom prst="rect">
+            <a:avLst/>
+          </a:prstGeom>
+          <a:solidFill>
+            <a:srgbClr val="0070C0"/>
+          </a:solidFill>
+        </p:spPr>
+        <p:style>
+          <a:lnRef idx="2">
+            <a:schemeClr val="accent1">
+              <a:shade val="50000"/>
+            </a:schemeClr>
+          </a:lnRef>
+          <a:fillRef idx="1">
+            <a:schemeClr val="accent1"/>
+          </a:fillRef>
+          <a:effectRef idx="0">
+            <a:schemeClr val="accent1"/>
+          </a:effectRef>
+          <a:fontRef idx="minor">
+            <a:schemeClr val="lt1"/>
+          </a:fontRef>
+        </p:style>
+        <p:txBody>
+          <a:bodyPr rtlCol="0" anchor="ctr"/>
+          <a:lstStyle/>
+          <a:p>
+            <a:pPr algn="ctr"/>
+            <a:r>
               <a:rPr lang="en-US" dirty="0">
                 <a:solidFill>
                   <a:schemeClr val="bg1"/>
                 </a:solidFill>
               </a:rPr>
-              <a:t>Login</a:t>
+              <a:t>Save</a:t>
             </a:r>
             <a:endParaRPr lang="en-IN" dirty="0">
               <a:solidFill>
@@ -3627,7 +4090,7 @@
     </p:spTree>
     <p:extLst>
       <p:ext uri="{BB962C8B-B14F-4D97-AF65-F5344CB8AC3E}">
-        <p14:creationId xmlns:p14="http://schemas.microsoft.com/office/powerpoint/2010/main" val="3691566888"/>
+        <p14:creationId xmlns:p14="http://schemas.microsoft.com/office/powerpoint/2010/main" val="2211918583"/>
       </p:ext>
     </p:extLst>
   </p:cSld>
@@ -4102,7 +4565,7 @@
                   <a:schemeClr val="tx1"/>
                 </a:solidFill>
               </a:rPr>
-              <a:t>Student Name</a:t>
+              <a:t>Teacher Name</a:t>
             </a:r>
             <a:endParaRPr lang="en-IN" dirty="0">
               <a:solidFill>
@@ -4142,7 +4605,7 @@
           <a:p>
             <a:r>
               <a:rPr lang="en-US" dirty="0"/>
-              <a:t>Add Student</a:t>
+              <a:t>Add Teacher</a:t>
             </a:r>
             <a:endParaRPr lang="en-IN" dirty="0"/>
           </a:p>
@@ -4318,7 +4781,7 @@
                   <a:schemeClr val="tx1"/>
                 </a:solidFill>
               </a:rPr>
-              <a:t>Parent Phone Number</a:t>
+              <a:t>Teacher Education</a:t>
             </a:r>
             <a:endParaRPr lang="en-IN" dirty="0">
               <a:solidFill>
@@ -4392,7 +4855,7 @@
     </p:spTree>
     <p:extLst>
       <p:ext uri="{BB962C8B-B14F-4D97-AF65-F5344CB8AC3E}">
-        <p14:creationId xmlns:p14="http://schemas.microsoft.com/office/powerpoint/2010/main" val="2211918583"/>
+        <p14:creationId xmlns:p14="http://schemas.microsoft.com/office/powerpoint/2010/main" val="2398967369"/>
       </p:ext>
     </p:extLst>
   </p:cSld>
@@ -4867,7 +5330,7 @@
                   <a:schemeClr val="tx1"/>
                 </a:solidFill>
               </a:rPr>
-              <a:t>Teacher Name</a:t>
+              <a:t>Class Name</a:t>
             </a:r>
             <a:endParaRPr lang="en-IN" dirty="0">
               <a:solidFill>
@@ -4907,7 +5370,7 @@
           <a:p>
             <a:r>
               <a:rPr lang="en-US" dirty="0"/>
-              <a:t>Add Teacher</a:t>
+              <a:t>Add Class</a:t>
             </a:r>
             <a:endParaRPr lang="en-IN" dirty="0"/>
           </a:p>
@@ -4963,7 +5426,7 @@
                   <a:schemeClr val="tx1"/>
                 </a:solidFill>
               </a:rPr>
-              <a:t>Phone Number</a:t>
+              <a:t>Room No</a:t>
             </a:r>
             <a:endParaRPr lang="en-IN" dirty="0">
               <a:solidFill>
@@ -5023,7 +5486,7 @@
                   <a:schemeClr val="tx1"/>
                 </a:solidFill>
               </a:rPr>
-              <a:t>Address</a:t>
+              <a:t>Floor Number</a:t>
             </a:r>
             <a:endParaRPr lang="en-IN" dirty="0">
               <a:solidFill>
@@ -5035,10 +5498,10 @@
       </p:sp>
       <p:sp>
         <p:nvSpPr>
-          <p:cNvPr id="18" name="Rectangle 17">
-            <a:extLst>
-              <a:ext uri="{FF2B5EF4-FFF2-40B4-BE49-F238E27FC236}">
-                <a16:creationId xmlns:a16="http://schemas.microsoft.com/office/drawing/2014/main" id="{E2628CAD-80AE-4F9A-AE8A-0B755D790C08}"/>
+          <p:cNvPr id="19" name="Rectangle 18">
+            <a:extLst>
+              <a:ext uri="{FF2B5EF4-FFF2-40B4-BE49-F238E27FC236}">
+                <a16:creationId xmlns:a16="http://schemas.microsoft.com/office/drawing/2014/main" id="{56E1948D-8F00-42F1-B303-72BFF9E0B3FF}"/>
               </a:ext>
             </a:extLst>
           </p:cNvPr>
@@ -5047,14 +5510,14 @@
         </p:nvSpPr>
         <p:spPr>
           <a:xfrm>
-            <a:off x="4124737" y="4760050"/>
+            <a:off x="4124736" y="5663717"/>
             <a:ext cx="3836505" cy="745435"/>
           </a:xfrm>
           <a:prstGeom prst="rect">
             <a:avLst/>
           </a:prstGeom>
           <a:solidFill>
-            <a:schemeClr val="bg1"/>
+            <a:srgbClr val="0070C0"/>
           </a:solidFill>
         </p:spPr>
         <p:style>
@@ -5077,66 +5540,6 @@
           <a:bodyPr rtlCol="0" anchor="ctr"/>
           <a:lstStyle/>
           <a:p>
-            <a:r>
-              <a:rPr lang="en-US" dirty="0">
-                <a:solidFill>
-                  <a:schemeClr val="tx1"/>
-                </a:solidFill>
-              </a:rPr>
-              <a:t>Teacher Education</a:t>
-            </a:r>
-            <a:endParaRPr lang="en-IN" dirty="0">
-              <a:solidFill>
-                <a:schemeClr val="tx1"/>
-              </a:solidFill>
-            </a:endParaRPr>
-          </a:p>
-        </p:txBody>
-      </p:sp>
-      <p:sp>
-        <p:nvSpPr>
-          <p:cNvPr id="19" name="Rectangle 18">
-            <a:extLst>
-              <a:ext uri="{FF2B5EF4-FFF2-40B4-BE49-F238E27FC236}">
-                <a16:creationId xmlns:a16="http://schemas.microsoft.com/office/drawing/2014/main" id="{56E1948D-8F00-42F1-B303-72BFF9E0B3FF}"/>
-              </a:ext>
-            </a:extLst>
-          </p:cNvPr>
-          <p:cNvSpPr/>
-          <p:nvPr/>
-        </p:nvSpPr>
-        <p:spPr>
-          <a:xfrm>
-            <a:off x="4124736" y="5663717"/>
-            <a:ext cx="3836505" cy="745435"/>
-          </a:xfrm>
-          <a:prstGeom prst="rect">
-            <a:avLst/>
-          </a:prstGeom>
-          <a:solidFill>
-            <a:srgbClr val="0070C0"/>
-          </a:solidFill>
-        </p:spPr>
-        <p:style>
-          <a:lnRef idx="2">
-            <a:schemeClr val="accent1">
-              <a:shade val="50000"/>
-            </a:schemeClr>
-          </a:lnRef>
-          <a:fillRef idx="1">
-            <a:schemeClr val="accent1"/>
-          </a:fillRef>
-          <a:effectRef idx="0">
-            <a:schemeClr val="accent1"/>
-          </a:effectRef>
-          <a:fontRef idx="minor">
-            <a:schemeClr val="lt1"/>
-          </a:fontRef>
-        </p:style>
-        <p:txBody>
-          <a:bodyPr rtlCol="0" anchor="ctr"/>
-          <a:lstStyle/>
-          <a:p>
             <a:pPr algn="ctr"/>
             <a:r>
               <a:rPr lang="en-US" dirty="0">
@@ -5157,7 +5560,7 @@
     </p:spTree>
     <p:extLst>
       <p:ext uri="{BB962C8B-B14F-4D97-AF65-F5344CB8AC3E}">
-        <p14:creationId xmlns:p14="http://schemas.microsoft.com/office/powerpoint/2010/main" val="2398967369"/>
+        <p14:creationId xmlns:p14="http://schemas.microsoft.com/office/powerpoint/2010/main" val="2120506127"/>
       </p:ext>
     </p:extLst>
   </p:cSld>
@@ -5632,7 +6035,7 @@
                   <a:schemeClr val="tx1"/>
                 </a:solidFill>
               </a:rPr>
-              <a:t>Class Name</a:t>
+              <a:t>Student Name</a:t>
             </a:r>
             <a:endParaRPr lang="en-IN" dirty="0">
               <a:solidFill>
@@ -5672,7 +6075,7 @@
           <a:p>
             <a:r>
               <a:rPr lang="en-US" dirty="0"/>
-              <a:t>Add Class</a:t>
+              <a:t>Attendance</a:t>
             </a:r>
             <a:endParaRPr lang="en-IN" dirty="0"/>
           </a:p>
@@ -5728,7 +6131,7 @@
                   <a:schemeClr val="tx1"/>
                 </a:solidFill>
               </a:rPr>
-              <a:t>Room No</a:t>
+              <a:t>Class Name</a:t>
             </a:r>
             <a:endParaRPr lang="en-IN" dirty="0">
               <a:solidFill>
@@ -5788,7 +6191,7 @@
                   <a:schemeClr val="tx1"/>
                 </a:solidFill>
               </a:rPr>
-              <a:t>Floor Number</a:t>
+              <a:t>Present</a:t>
             </a:r>
             <a:endParaRPr lang="en-IN" dirty="0">
               <a:solidFill>
@@ -5812,7 +6215,7 @@
         </p:nvSpPr>
         <p:spPr>
           <a:xfrm>
-            <a:off x="4124736" y="5663717"/>
+            <a:off x="4124737" y="5801369"/>
             <a:ext cx="3836505" cy="745435"/>
           </a:xfrm>
           <a:prstGeom prst="rect">
@@ -5859,10 +6262,1676 @@
           </a:p>
         </p:txBody>
       </p:sp>
+      <p:sp>
+        <p:nvSpPr>
+          <p:cNvPr id="18" name="Rectangle 17">
+            <a:extLst>
+              <a:ext uri="{FF2B5EF4-FFF2-40B4-BE49-F238E27FC236}">
+                <a16:creationId xmlns:a16="http://schemas.microsoft.com/office/drawing/2014/main" id="{CDE10522-BD6C-4787-93A6-F0BF5D3054C1}"/>
+              </a:ext>
+            </a:extLst>
+          </p:cNvPr>
+          <p:cNvSpPr/>
+          <p:nvPr/>
+        </p:nvSpPr>
+        <p:spPr>
+          <a:xfrm>
+            <a:off x="4134677" y="4748220"/>
+            <a:ext cx="3836505" cy="745434"/>
+          </a:xfrm>
+          <a:prstGeom prst="rect">
+            <a:avLst/>
+          </a:prstGeom>
+          <a:solidFill>
+            <a:schemeClr val="bg1"/>
+          </a:solidFill>
+        </p:spPr>
+        <p:style>
+          <a:lnRef idx="2">
+            <a:schemeClr val="accent1">
+              <a:shade val="50000"/>
+            </a:schemeClr>
+          </a:lnRef>
+          <a:fillRef idx="1">
+            <a:schemeClr val="accent1"/>
+          </a:fillRef>
+          <a:effectRef idx="0">
+            <a:schemeClr val="accent1"/>
+          </a:effectRef>
+          <a:fontRef idx="minor">
+            <a:schemeClr val="lt1"/>
+          </a:fontRef>
+        </p:style>
+        <p:txBody>
+          <a:bodyPr rtlCol="0" anchor="ctr"/>
+          <a:lstStyle/>
+          <a:p>
+            <a:r>
+              <a:rPr lang="en-US" dirty="0">
+                <a:solidFill>
+                  <a:schemeClr val="tx1"/>
+                </a:solidFill>
+              </a:rPr>
+              <a:t>Date</a:t>
+            </a:r>
+            <a:endParaRPr lang="en-IN" dirty="0">
+              <a:solidFill>
+                <a:schemeClr val="tx1"/>
+              </a:solidFill>
+            </a:endParaRPr>
+          </a:p>
+        </p:txBody>
+      </p:sp>
     </p:spTree>
     <p:extLst>
       <p:ext uri="{BB962C8B-B14F-4D97-AF65-F5344CB8AC3E}">
-        <p14:creationId xmlns:p14="http://schemas.microsoft.com/office/powerpoint/2010/main" val="2120506127"/>
+        <p14:creationId xmlns:p14="http://schemas.microsoft.com/office/powerpoint/2010/main" val="4249752000"/>
+      </p:ext>
+    </p:extLst>
+  </p:cSld>
+  <p:clrMapOvr>
+    <a:masterClrMapping/>
+  </p:clrMapOvr>
+</p:sld>
+</file>
+
+<file path=ppt/slides/slide5.xml><?xml version="1.0" encoding="utf-8"?>
+<p:sld xmlns:a="http://schemas.openxmlformats.org/drawingml/2006/main" xmlns:r="http://schemas.openxmlformats.org/officeDocument/2006/relationships" xmlns:p="http://schemas.openxmlformats.org/presentationml/2006/main">
+  <p:cSld>
+    <p:spTree>
+      <p:nvGrpSpPr>
+        <p:cNvPr id="1" name=""/>
+        <p:cNvGrpSpPr/>
+        <p:nvPr/>
+      </p:nvGrpSpPr>
+      <p:grpSpPr>
+        <a:xfrm>
+          <a:off x="0" y="0"/>
+          <a:ext cx="0" cy="0"/>
+          <a:chOff x="0" y="0"/>
+          <a:chExt cx="0" cy="0"/>
+        </a:xfrm>
+      </p:grpSpPr>
+      <p:sp>
+        <p:nvSpPr>
+          <p:cNvPr id="4" name="Rectangle 3">
+            <a:extLst>
+              <a:ext uri="{FF2B5EF4-FFF2-40B4-BE49-F238E27FC236}">
+                <a16:creationId xmlns:a16="http://schemas.microsoft.com/office/drawing/2014/main" id="{1F99D61D-6031-4B92-96FA-A42A652B390B}"/>
+              </a:ext>
+            </a:extLst>
+          </p:cNvPr>
+          <p:cNvSpPr/>
+          <p:nvPr/>
+        </p:nvSpPr>
+        <p:spPr>
+          <a:xfrm>
+            <a:off x="0" y="0"/>
+            <a:ext cx="12192000" cy="844826"/>
+          </a:xfrm>
+          <a:prstGeom prst="rect">
+            <a:avLst/>
+          </a:prstGeom>
+        </p:spPr>
+        <p:style>
+          <a:lnRef idx="2">
+            <a:schemeClr val="accent1">
+              <a:shade val="50000"/>
+            </a:schemeClr>
+          </a:lnRef>
+          <a:fillRef idx="1">
+            <a:schemeClr val="accent1"/>
+          </a:fillRef>
+          <a:effectRef idx="0">
+            <a:schemeClr val="accent1"/>
+          </a:effectRef>
+          <a:fontRef idx="minor">
+            <a:schemeClr val="lt1"/>
+          </a:fontRef>
+        </p:style>
+        <p:txBody>
+          <a:bodyPr rtlCol="0" anchor="ctr"/>
+          <a:lstStyle/>
+          <a:p>
+            <a:r>
+              <a:rPr lang="en-US" dirty="0"/>
+              <a:t>Attendance System</a:t>
+            </a:r>
+            <a:endParaRPr lang="en-IN" dirty="0"/>
+          </a:p>
+        </p:txBody>
+      </p:sp>
+      <p:sp>
+        <p:nvSpPr>
+          <p:cNvPr id="2" name="Rectangle 1">
+            <a:extLst>
+              <a:ext uri="{FF2B5EF4-FFF2-40B4-BE49-F238E27FC236}">
+                <a16:creationId xmlns:a16="http://schemas.microsoft.com/office/drawing/2014/main" id="{14F2B0F0-2DB3-4005-94E4-6B18C8DA5FCA}"/>
+              </a:ext>
+            </a:extLst>
+          </p:cNvPr>
+          <p:cNvSpPr/>
+          <p:nvPr/>
+        </p:nvSpPr>
+        <p:spPr>
+          <a:xfrm>
+            <a:off x="2067339" y="0"/>
+            <a:ext cx="1590261" cy="844826"/>
+          </a:xfrm>
+          <a:prstGeom prst="rect">
+            <a:avLst/>
+          </a:prstGeom>
+        </p:spPr>
+        <p:style>
+          <a:lnRef idx="2">
+            <a:schemeClr val="accent1">
+              <a:shade val="50000"/>
+            </a:schemeClr>
+          </a:lnRef>
+          <a:fillRef idx="1">
+            <a:schemeClr val="accent1"/>
+          </a:fillRef>
+          <a:effectRef idx="0">
+            <a:schemeClr val="accent1"/>
+          </a:effectRef>
+          <a:fontRef idx="minor">
+            <a:schemeClr val="lt1"/>
+          </a:fontRef>
+        </p:style>
+        <p:txBody>
+          <a:bodyPr rtlCol="0" anchor="ctr"/>
+          <a:lstStyle/>
+          <a:p>
+            <a:pPr algn="ctr"/>
+            <a:r>
+              <a:rPr lang="en-US" dirty="0"/>
+              <a:t>Student</a:t>
+            </a:r>
+            <a:endParaRPr lang="en-IN" dirty="0"/>
+          </a:p>
+        </p:txBody>
+      </p:sp>
+      <p:sp>
+        <p:nvSpPr>
+          <p:cNvPr id="9" name="Rectangle 8">
+            <a:extLst>
+              <a:ext uri="{FF2B5EF4-FFF2-40B4-BE49-F238E27FC236}">
+                <a16:creationId xmlns:a16="http://schemas.microsoft.com/office/drawing/2014/main" id="{87E8F18E-100E-4D39-A98A-165FB37EEB4B}"/>
+              </a:ext>
+            </a:extLst>
+          </p:cNvPr>
+          <p:cNvSpPr/>
+          <p:nvPr/>
+        </p:nvSpPr>
+        <p:spPr>
+          <a:xfrm>
+            <a:off x="3657600" y="0"/>
+            <a:ext cx="1590261" cy="844826"/>
+          </a:xfrm>
+          <a:prstGeom prst="rect">
+            <a:avLst/>
+          </a:prstGeom>
+        </p:spPr>
+        <p:style>
+          <a:lnRef idx="2">
+            <a:schemeClr val="accent1">
+              <a:shade val="50000"/>
+            </a:schemeClr>
+          </a:lnRef>
+          <a:fillRef idx="1">
+            <a:schemeClr val="accent1"/>
+          </a:fillRef>
+          <a:effectRef idx="0">
+            <a:schemeClr val="accent1"/>
+          </a:effectRef>
+          <a:fontRef idx="minor">
+            <a:schemeClr val="lt1"/>
+          </a:fontRef>
+        </p:style>
+        <p:txBody>
+          <a:bodyPr rtlCol="0" anchor="ctr"/>
+          <a:lstStyle/>
+          <a:p>
+            <a:pPr algn="ctr"/>
+            <a:r>
+              <a:rPr lang="en-US" dirty="0"/>
+              <a:t>Teacher</a:t>
+            </a:r>
+            <a:endParaRPr lang="en-IN" dirty="0"/>
+          </a:p>
+        </p:txBody>
+      </p:sp>
+      <p:sp>
+        <p:nvSpPr>
+          <p:cNvPr id="10" name="Rectangle 9">
+            <a:extLst>
+              <a:ext uri="{FF2B5EF4-FFF2-40B4-BE49-F238E27FC236}">
+                <a16:creationId xmlns:a16="http://schemas.microsoft.com/office/drawing/2014/main" id="{386A5CCE-D036-48A0-B25F-4DB906ABF76E}"/>
+              </a:ext>
+            </a:extLst>
+          </p:cNvPr>
+          <p:cNvSpPr/>
+          <p:nvPr/>
+        </p:nvSpPr>
+        <p:spPr>
+          <a:xfrm>
+            <a:off x="5247861" y="0"/>
+            <a:ext cx="1590261" cy="844826"/>
+          </a:xfrm>
+          <a:prstGeom prst="rect">
+            <a:avLst/>
+          </a:prstGeom>
+        </p:spPr>
+        <p:style>
+          <a:lnRef idx="2">
+            <a:schemeClr val="accent1">
+              <a:shade val="50000"/>
+            </a:schemeClr>
+          </a:lnRef>
+          <a:fillRef idx="1">
+            <a:schemeClr val="accent1"/>
+          </a:fillRef>
+          <a:effectRef idx="0">
+            <a:schemeClr val="accent1"/>
+          </a:effectRef>
+          <a:fontRef idx="minor">
+            <a:schemeClr val="lt1"/>
+          </a:fontRef>
+        </p:style>
+        <p:txBody>
+          <a:bodyPr rtlCol="0" anchor="ctr"/>
+          <a:lstStyle/>
+          <a:p>
+            <a:pPr algn="ctr"/>
+            <a:r>
+              <a:rPr lang="en-US" dirty="0"/>
+              <a:t>Class</a:t>
+            </a:r>
+            <a:endParaRPr lang="en-IN" dirty="0"/>
+          </a:p>
+        </p:txBody>
+      </p:sp>
+      <p:sp>
+        <p:nvSpPr>
+          <p:cNvPr id="11" name="Rectangle 10">
+            <a:extLst>
+              <a:ext uri="{FF2B5EF4-FFF2-40B4-BE49-F238E27FC236}">
+                <a16:creationId xmlns:a16="http://schemas.microsoft.com/office/drawing/2014/main" id="{C845D1E8-9CAC-456F-8C63-2F04B33272E4}"/>
+              </a:ext>
+            </a:extLst>
+          </p:cNvPr>
+          <p:cNvSpPr/>
+          <p:nvPr/>
+        </p:nvSpPr>
+        <p:spPr>
+          <a:xfrm>
+            <a:off x="6838122" y="0"/>
+            <a:ext cx="1590261" cy="844826"/>
+          </a:xfrm>
+          <a:prstGeom prst="rect">
+            <a:avLst/>
+          </a:prstGeom>
+        </p:spPr>
+        <p:style>
+          <a:lnRef idx="2">
+            <a:schemeClr val="accent1">
+              <a:shade val="50000"/>
+            </a:schemeClr>
+          </a:lnRef>
+          <a:fillRef idx="1">
+            <a:schemeClr val="accent1"/>
+          </a:fillRef>
+          <a:effectRef idx="0">
+            <a:schemeClr val="accent1"/>
+          </a:effectRef>
+          <a:fontRef idx="minor">
+            <a:schemeClr val="lt1"/>
+          </a:fontRef>
+        </p:style>
+        <p:txBody>
+          <a:bodyPr rtlCol="0" anchor="ctr"/>
+          <a:lstStyle/>
+          <a:p>
+            <a:pPr algn="ctr"/>
+            <a:r>
+              <a:rPr lang="en-US" dirty="0"/>
+              <a:t>Attendance</a:t>
+            </a:r>
+            <a:endParaRPr lang="en-IN" dirty="0"/>
+          </a:p>
+        </p:txBody>
+      </p:sp>
+      <p:sp>
+        <p:nvSpPr>
+          <p:cNvPr id="12" name="Rectangle 11">
+            <a:extLst>
+              <a:ext uri="{FF2B5EF4-FFF2-40B4-BE49-F238E27FC236}">
+                <a16:creationId xmlns:a16="http://schemas.microsoft.com/office/drawing/2014/main" id="{1E6C7B86-7BF0-4542-8D86-BC6975CD65AC}"/>
+              </a:ext>
+            </a:extLst>
+          </p:cNvPr>
+          <p:cNvSpPr/>
+          <p:nvPr/>
+        </p:nvSpPr>
+        <p:spPr>
+          <a:xfrm>
+            <a:off x="8428383" y="0"/>
+            <a:ext cx="1590261" cy="844826"/>
+          </a:xfrm>
+          <a:prstGeom prst="rect">
+            <a:avLst/>
+          </a:prstGeom>
+        </p:spPr>
+        <p:style>
+          <a:lnRef idx="2">
+            <a:schemeClr val="accent1">
+              <a:shade val="50000"/>
+            </a:schemeClr>
+          </a:lnRef>
+          <a:fillRef idx="1">
+            <a:schemeClr val="accent1"/>
+          </a:fillRef>
+          <a:effectRef idx="0">
+            <a:schemeClr val="accent1"/>
+          </a:effectRef>
+          <a:fontRef idx="minor">
+            <a:schemeClr val="lt1"/>
+          </a:fontRef>
+        </p:style>
+        <p:txBody>
+          <a:bodyPr rtlCol="0" anchor="ctr"/>
+          <a:lstStyle/>
+          <a:p>
+            <a:pPr algn="ctr"/>
+            <a:r>
+              <a:rPr lang="en-US" dirty="0"/>
+              <a:t>Reports</a:t>
+            </a:r>
+            <a:endParaRPr lang="en-IN" dirty="0"/>
+          </a:p>
+        </p:txBody>
+      </p:sp>
+      <p:sp>
+        <p:nvSpPr>
+          <p:cNvPr id="13" name="Rectangle 12">
+            <a:extLst>
+              <a:ext uri="{FF2B5EF4-FFF2-40B4-BE49-F238E27FC236}">
+                <a16:creationId xmlns:a16="http://schemas.microsoft.com/office/drawing/2014/main" id="{05EA3A02-1B08-4C64-9F1F-686170FD96CA}"/>
+              </a:ext>
+            </a:extLst>
+          </p:cNvPr>
+          <p:cNvSpPr/>
+          <p:nvPr/>
+        </p:nvSpPr>
+        <p:spPr>
+          <a:xfrm>
+            <a:off x="10601739" y="0"/>
+            <a:ext cx="1590261" cy="844826"/>
+          </a:xfrm>
+          <a:prstGeom prst="rect">
+            <a:avLst/>
+          </a:prstGeom>
+        </p:spPr>
+        <p:style>
+          <a:lnRef idx="2">
+            <a:schemeClr val="accent1">
+              <a:shade val="50000"/>
+            </a:schemeClr>
+          </a:lnRef>
+          <a:fillRef idx="1">
+            <a:schemeClr val="accent1"/>
+          </a:fillRef>
+          <a:effectRef idx="0">
+            <a:schemeClr val="accent1"/>
+          </a:effectRef>
+          <a:fontRef idx="minor">
+            <a:schemeClr val="lt1"/>
+          </a:fontRef>
+        </p:style>
+        <p:txBody>
+          <a:bodyPr rtlCol="0" anchor="ctr"/>
+          <a:lstStyle/>
+          <a:p>
+            <a:pPr algn="ctr"/>
+            <a:r>
+              <a:rPr lang="en-US" dirty="0"/>
+              <a:t>Logout</a:t>
+            </a:r>
+            <a:endParaRPr lang="en-IN" dirty="0"/>
+          </a:p>
+        </p:txBody>
+      </p:sp>
+      <p:sp>
+        <p:nvSpPr>
+          <p:cNvPr id="14" name="Rectangle 13">
+            <a:extLst>
+              <a:ext uri="{FF2B5EF4-FFF2-40B4-BE49-F238E27FC236}">
+                <a16:creationId xmlns:a16="http://schemas.microsoft.com/office/drawing/2014/main" id="{36484031-B4AE-4D14-B365-83676D006B81}"/>
+              </a:ext>
+            </a:extLst>
+          </p:cNvPr>
+          <p:cNvSpPr/>
+          <p:nvPr/>
+        </p:nvSpPr>
+        <p:spPr>
+          <a:xfrm>
+            <a:off x="3720546" y="1167934"/>
+            <a:ext cx="4644887" cy="4522127"/>
+          </a:xfrm>
+          <a:prstGeom prst="rect">
+            <a:avLst/>
+          </a:prstGeom>
+          <a:solidFill>
+            <a:schemeClr val="bg1"/>
+          </a:solidFill>
+        </p:spPr>
+        <p:style>
+          <a:lnRef idx="2">
+            <a:schemeClr val="accent1">
+              <a:shade val="50000"/>
+            </a:schemeClr>
+          </a:lnRef>
+          <a:fillRef idx="1">
+            <a:schemeClr val="accent1"/>
+          </a:fillRef>
+          <a:effectRef idx="0">
+            <a:schemeClr val="accent1"/>
+          </a:effectRef>
+          <a:fontRef idx="minor">
+            <a:schemeClr val="lt1"/>
+          </a:fontRef>
+        </p:style>
+        <p:txBody>
+          <a:bodyPr rtlCol="0" anchor="ctr"/>
+          <a:lstStyle/>
+          <a:p>
+            <a:pPr algn="ctr"/>
+            <a:endParaRPr lang="en-IN" dirty="0"/>
+          </a:p>
+        </p:txBody>
+      </p:sp>
+      <p:sp>
+        <p:nvSpPr>
+          <p:cNvPr id="15" name="Rectangle 14">
+            <a:extLst>
+              <a:ext uri="{FF2B5EF4-FFF2-40B4-BE49-F238E27FC236}">
+                <a16:creationId xmlns:a16="http://schemas.microsoft.com/office/drawing/2014/main" id="{FFF7CF36-F4FB-4491-A635-A934B8F34D17}"/>
+              </a:ext>
+            </a:extLst>
+          </p:cNvPr>
+          <p:cNvSpPr/>
+          <p:nvPr/>
+        </p:nvSpPr>
+        <p:spPr>
+          <a:xfrm>
+            <a:off x="4203395" y="2041777"/>
+            <a:ext cx="3836505" cy="745435"/>
+          </a:xfrm>
+          <a:prstGeom prst="rect">
+            <a:avLst/>
+          </a:prstGeom>
+          <a:solidFill>
+            <a:schemeClr val="bg1"/>
+          </a:solidFill>
+        </p:spPr>
+        <p:style>
+          <a:lnRef idx="2">
+            <a:schemeClr val="accent1">
+              <a:shade val="50000"/>
+            </a:schemeClr>
+          </a:lnRef>
+          <a:fillRef idx="1">
+            <a:schemeClr val="accent1"/>
+          </a:fillRef>
+          <a:effectRef idx="0">
+            <a:schemeClr val="accent1"/>
+          </a:effectRef>
+          <a:fontRef idx="minor">
+            <a:schemeClr val="lt1"/>
+          </a:fontRef>
+        </p:style>
+        <p:txBody>
+          <a:bodyPr rtlCol="0" anchor="ctr"/>
+          <a:lstStyle/>
+          <a:p>
+            <a:r>
+              <a:rPr lang="en-US" dirty="0">
+                <a:solidFill>
+                  <a:schemeClr val="tx1"/>
+                </a:solidFill>
+              </a:rPr>
+              <a:t>User Name</a:t>
+            </a:r>
+            <a:endParaRPr lang="en-IN" dirty="0">
+              <a:solidFill>
+                <a:schemeClr val="tx1"/>
+              </a:solidFill>
+            </a:endParaRPr>
+          </a:p>
+        </p:txBody>
+      </p:sp>
+      <p:sp>
+        <p:nvSpPr>
+          <p:cNvPr id="3" name="TextBox 2">
+            <a:extLst>
+              <a:ext uri="{FF2B5EF4-FFF2-40B4-BE49-F238E27FC236}">
+                <a16:creationId xmlns:a16="http://schemas.microsoft.com/office/drawing/2014/main" id="{19DBBA04-6010-4F8B-99D1-FFA403B293D2}"/>
+              </a:ext>
+            </a:extLst>
+          </p:cNvPr>
+          <p:cNvSpPr txBox="1"/>
+          <p:nvPr/>
+        </p:nvSpPr>
+        <p:spPr>
+          <a:xfrm>
+            <a:off x="4075043" y="1282148"/>
+            <a:ext cx="2196549" cy="369332"/>
+          </a:xfrm>
+          <a:prstGeom prst="rect">
+            <a:avLst/>
+          </a:prstGeom>
+          <a:noFill/>
+        </p:spPr>
+        <p:txBody>
+          <a:bodyPr wrap="square" rtlCol="0">
+            <a:spAutoFit/>
+          </a:bodyPr>
+          <a:lstStyle/>
+          <a:p>
+            <a:r>
+              <a:rPr lang="en-US" dirty="0"/>
+              <a:t>Add User</a:t>
+            </a:r>
+            <a:endParaRPr lang="en-IN" dirty="0"/>
+          </a:p>
+        </p:txBody>
+      </p:sp>
+      <p:sp>
+        <p:nvSpPr>
+          <p:cNvPr id="16" name="Rectangle 15">
+            <a:extLst>
+              <a:ext uri="{FF2B5EF4-FFF2-40B4-BE49-F238E27FC236}">
+                <a16:creationId xmlns:a16="http://schemas.microsoft.com/office/drawing/2014/main" id="{68B03A72-3728-44F6-9570-E25106615832}"/>
+              </a:ext>
+            </a:extLst>
+          </p:cNvPr>
+          <p:cNvSpPr/>
+          <p:nvPr/>
+        </p:nvSpPr>
+        <p:spPr>
+          <a:xfrm>
+            <a:off x="4185762" y="3056281"/>
+            <a:ext cx="3836505" cy="745435"/>
+          </a:xfrm>
+          <a:prstGeom prst="rect">
+            <a:avLst/>
+          </a:prstGeom>
+          <a:solidFill>
+            <a:schemeClr val="bg1"/>
+          </a:solidFill>
+        </p:spPr>
+        <p:style>
+          <a:lnRef idx="2">
+            <a:schemeClr val="accent1">
+              <a:shade val="50000"/>
+            </a:schemeClr>
+          </a:lnRef>
+          <a:fillRef idx="1">
+            <a:schemeClr val="accent1"/>
+          </a:fillRef>
+          <a:effectRef idx="0">
+            <a:schemeClr val="accent1"/>
+          </a:effectRef>
+          <a:fontRef idx="minor">
+            <a:schemeClr val="lt1"/>
+          </a:fontRef>
+        </p:style>
+        <p:txBody>
+          <a:bodyPr rtlCol="0" anchor="ctr"/>
+          <a:lstStyle/>
+          <a:p>
+            <a:r>
+              <a:rPr lang="en-US" dirty="0">
+                <a:solidFill>
+                  <a:schemeClr val="tx1"/>
+                </a:solidFill>
+              </a:rPr>
+              <a:t>Password</a:t>
+            </a:r>
+            <a:endParaRPr lang="en-IN" dirty="0">
+              <a:solidFill>
+                <a:schemeClr val="tx1"/>
+              </a:solidFill>
+            </a:endParaRPr>
+          </a:p>
+        </p:txBody>
+      </p:sp>
+      <p:sp>
+        <p:nvSpPr>
+          <p:cNvPr id="19" name="Rectangle 18">
+            <a:extLst>
+              <a:ext uri="{FF2B5EF4-FFF2-40B4-BE49-F238E27FC236}">
+                <a16:creationId xmlns:a16="http://schemas.microsoft.com/office/drawing/2014/main" id="{56E1948D-8F00-42F1-B303-72BFF9E0B3FF}"/>
+              </a:ext>
+            </a:extLst>
+          </p:cNvPr>
+          <p:cNvSpPr/>
+          <p:nvPr/>
+        </p:nvSpPr>
+        <p:spPr>
+          <a:xfrm>
+            <a:off x="4124738" y="4192013"/>
+            <a:ext cx="3836505" cy="745436"/>
+          </a:xfrm>
+          <a:prstGeom prst="rect">
+            <a:avLst/>
+          </a:prstGeom>
+          <a:solidFill>
+            <a:srgbClr val="0070C0"/>
+          </a:solidFill>
+        </p:spPr>
+        <p:style>
+          <a:lnRef idx="2">
+            <a:schemeClr val="accent1">
+              <a:shade val="50000"/>
+            </a:schemeClr>
+          </a:lnRef>
+          <a:fillRef idx="1">
+            <a:schemeClr val="accent1"/>
+          </a:fillRef>
+          <a:effectRef idx="0">
+            <a:schemeClr val="accent1"/>
+          </a:effectRef>
+          <a:fontRef idx="minor">
+            <a:schemeClr val="lt1"/>
+          </a:fontRef>
+        </p:style>
+        <p:txBody>
+          <a:bodyPr rtlCol="0" anchor="ctr"/>
+          <a:lstStyle/>
+          <a:p>
+            <a:pPr algn="ctr"/>
+            <a:r>
+              <a:rPr lang="en-US" dirty="0">
+                <a:solidFill>
+                  <a:schemeClr val="bg1"/>
+                </a:solidFill>
+              </a:rPr>
+              <a:t>Save</a:t>
+            </a:r>
+            <a:endParaRPr lang="en-IN" dirty="0">
+              <a:solidFill>
+                <a:schemeClr val="bg1"/>
+              </a:solidFill>
+            </a:endParaRPr>
+          </a:p>
+        </p:txBody>
+      </p:sp>
+    </p:spTree>
+    <p:extLst>
+      <p:ext uri="{BB962C8B-B14F-4D97-AF65-F5344CB8AC3E}">
+        <p14:creationId xmlns:p14="http://schemas.microsoft.com/office/powerpoint/2010/main" val="1836542462"/>
+      </p:ext>
+    </p:extLst>
+  </p:cSld>
+  <p:clrMapOvr>
+    <a:masterClrMapping/>
+  </p:clrMapOvr>
+</p:sld>
+</file>
+
+<file path=ppt/slides/slide6.xml><?xml version="1.0" encoding="utf-8"?>
+<p:sld xmlns:a="http://schemas.openxmlformats.org/drawingml/2006/main" xmlns:r="http://schemas.openxmlformats.org/officeDocument/2006/relationships" xmlns:p="http://schemas.openxmlformats.org/presentationml/2006/main">
+  <p:cSld>
+    <p:spTree>
+      <p:nvGrpSpPr>
+        <p:cNvPr id="1" name=""/>
+        <p:cNvGrpSpPr/>
+        <p:nvPr/>
+      </p:nvGrpSpPr>
+      <p:grpSpPr>
+        <a:xfrm>
+          <a:off x="0" y="0"/>
+          <a:ext cx="0" cy="0"/>
+          <a:chOff x="0" y="0"/>
+          <a:chExt cx="0" cy="0"/>
+        </a:xfrm>
+      </p:grpSpPr>
+      <p:sp>
+        <p:nvSpPr>
+          <p:cNvPr id="4" name="Rectangle 3">
+            <a:extLst>
+              <a:ext uri="{FF2B5EF4-FFF2-40B4-BE49-F238E27FC236}">
+                <a16:creationId xmlns:a16="http://schemas.microsoft.com/office/drawing/2014/main" id="{1F99D61D-6031-4B92-96FA-A42A652B390B}"/>
+              </a:ext>
+            </a:extLst>
+          </p:cNvPr>
+          <p:cNvSpPr/>
+          <p:nvPr/>
+        </p:nvSpPr>
+        <p:spPr>
+          <a:xfrm>
+            <a:off x="0" y="0"/>
+            <a:ext cx="12192000" cy="844826"/>
+          </a:xfrm>
+          <a:prstGeom prst="rect">
+            <a:avLst/>
+          </a:prstGeom>
+        </p:spPr>
+        <p:style>
+          <a:lnRef idx="2">
+            <a:schemeClr val="accent1">
+              <a:shade val="50000"/>
+            </a:schemeClr>
+          </a:lnRef>
+          <a:fillRef idx="1">
+            <a:schemeClr val="accent1"/>
+          </a:fillRef>
+          <a:effectRef idx="0">
+            <a:schemeClr val="accent1"/>
+          </a:effectRef>
+          <a:fontRef idx="minor">
+            <a:schemeClr val="lt1"/>
+          </a:fontRef>
+        </p:style>
+        <p:txBody>
+          <a:bodyPr rtlCol="0" anchor="ctr"/>
+          <a:lstStyle/>
+          <a:p>
+            <a:r>
+              <a:rPr lang="en-US" dirty="0"/>
+              <a:t>Attendance System</a:t>
+            </a:r>
+            <a:endParaRPr lang="en-IN" dirty="0"/>
+          </a:p>
+        </p:txBody>
+      </p:sp>
+      <p:sp>
+        <p:nvSpPr>
+          <p:cNvPr id="2" name="Rectangle 1">
+            <a:extLst>
+              <a:ext uri="{FF2B5EF4-FFF2-40B4-BE49-F238E27FC236}">
+                <a16:creationId xmlns:a16="http://schemas.microsoft.com/office/drawing/2014/main" id="{14F2B0F0-2DB3-4005-94E4-6B18C8DA5FCA}"/>
+              </a:ext>
+            </a:extLst>
+          </p:cNvPr>
+          <p:cNvSpPr/>
+          <p:nvPr/>
+        </p:nvSpPr>
+        <p:spPr>
+          <a:xfrm>
+            <a:off x="2067339" y="0"/>
+            <a:ext cx="1590261" cy="844826"/>
+          </a:xfrm>
+          <a:prstGeom prst="rect">
+            <a:avLst/>
+          </a:prstGeom>
+        </p:spPr>
+        <p:style>
+          <a:lnRef idx="2">
+            <a:schemeClr val="accent1">
+              <a:shade val="50000"/>
+            </a:schemeClr>
+          </a:lnRef>
+          <a:fillRef idx="1">
+            <a:schemeClr val="accent1"/>
+          </a:fillRef>
+          <a:effectRef idx="0">
+            <a:schemeClr val="accent1"/>
+          </a:effectRef>
+          <a:fontRef idx="minor">
+            <a:schemeClr val="lt1"/>
+          </a:fontRef>
+        </p:style>
+        <p:txBody>
+          <a:bodyPr rtlCol="0" anchor="ctr"/>
+          <a:lstStyle/>
+          <a:p>
+            <a:pPr algn="ctr"/>
+            <a:r>
+              <a:rPr lang="en-US" dirty="0"/>
+              <a:t>Student</a:t>
+            </a:r>
+            <a:endParaRPr lang="en-IN" dirty="0"/>
+          </a:p>
+        </p:txBody>
+      </p:sp>
+      <p:sp>
+        <p:nvSpPr>
+          <p:cNvPr id="9" name="Rectangle 8">
+            <a:extLst>
+              <a:ext uri="{FF2B5EF4-FFF2-40B4-BE49-F238E27FC236}">
+                <a16:creationId xmlns:a16="http://schemas.microsoft.com/office/drawing/2014/main" id="{87E8F18E-100E-4D39-A98A-165FB37EEB4B}"/>
+              </a:ext>
+            </a:extLst>
+          </p:cNvPr>
+          <p:cNvSpPr/>
+          <p:nvPr/>
+        </p:nvSpPr>
+        <p:spPr>
+          <a:xfrm>
+            <a:off x="3657600" y="0"/>
+            <a:ext cx="1590261" cy="844826"/>
+          </a:xfrm>
+          <a:prstGeom prst="rect">
+            <a:avLst/>
+          </a:prstGeom>
+        </p:spPr>
+        <p:style>
+          <a:lnRef idx="2">
+            <a:schemeClr val="accent1">
+              <a:shade val="50000"/>
+            </a:schemeClr>
+          </a:lnRef>
+          <a:fillRef idx="1">
+            <a:schemeClr val="accent1"/>
+          </a:fillRef>
+          <a:effectRef idx="0">
+            <a:schemeClr val="accent1"/>
+          </a:effectRef>
+          <a:fontRef idx="minor">
+            <a:schemeClr val="lt1"/>
+          </a:fontRef>
+        </p:style>
+        <p:txBody>
+          <a:bodyPr rtlCol="0" anchor="ctr"/>
+          <a:lstStyle/>
+          <a:p>
+            <a:pPr algn="ctr"/>
+            <a:r>
+              <a:rPr lang="en-US" dirty="0"/>
+              <a:t>Teacher</a:t>
+            </a:r>
+            <a:endParaRPr lang="en-IN" dirty="0"/>
+          </a:p>
+        </p:txBody>
+      </p:sp>
+      <p:sp>
+        <p:nvSpPr>
+          <p:cNvPr id="10" name="Rectangle 9">
+            <a:extLst>
+              <a:ext uri="{FF2B5EF4-FFF2-40B4-BE49-F238E27FC236}">
+                <a16:creationId xmlns:a16="http://schemas.microsoft.com/office/drawing/2014/main" id="{386A5CCE-D036-48A0-B25F-4DB906ABF76E}"/>
+              </a:ext>
+            </a:extLst>
+          </p:cNvPr>
+          <p:cNvSpPr/>
+          <p:nvPr/>
+        </p:nvSpPr>
+        <p:spPr>
+          <a:xfrm>
+            <a:off x="5247861" y="0"/>
+            <a:ext cx="1590261" cy="844826"/>
+          </a:xfrm>
+          <a:prstGeom prst="rect">
+            <a:avLst/>
+          </a:prstGeom>
+        </p:spPr>
+        <p:style>
+          <a:lnRef idx="2">
+            <a:schemeClr val="accent1">
+              <a:shade val="50000"/>
+            </a:schemeClr>
+          </a:lnRef>
+          <a:fillRef idx="1">
+            <a:schemeClr val="accent1"/>
+          </a:fillRef>
+          <a:effectRef idx="0">
+            <a:schemeClr val="accent1"/>
+          </a:effectRef>
+          <a:fontRef idx="minor">
+            <a:schemeClr val="lt1"/>
+          </a:fontRef>
+        </p:style>
+        <p:txBody>
+          <a:bodyPr rtlCol="0" anchor="ctr"/>
+          <a:lstStyle/>
+          <a:p>
+            <a:pPr algn="ctr"/>
+            <a:r>
+              <a:rPr lang="en-US" dirty="0"/>
+              <a:t>Class</a:t>
+            </a:r>
+            <a:endParaRPr lang="en-IN" dirty="0"/>
+          </a:p>
+        </p:txBody>
+      </p:sp>
+      <p:sp>
+        <p:nvSpPr>
+          <p:cNvPr id="11" name="Rectangle 10">
+            <a:extLst>
+              <a:ext uri="{FF2B5EF4-FFF2-40B4-BE49-F238E27FC236}">
+                <a16:creationId xmlns:a16="http://schemas.microsoft.com/office/drawing/2014/main" id="{C845D1E8-9CAC-456F-8C63-2F04B33272E4}"/>
+              </a:ext>
+            </a:extLst>
+          </p:cNvPr>
+          <p:cNvSpPr/>
+          <p:nvPr/>
+        </p:nvSpPr>
+        <p:spPr>
+          <a:xfrm>
+            <a:off x="6838122" y="0"/>
+            <a:ext cx="1590261" cy="844826"/>
+          </a:xfrm>
+          <a:prstGeom prst="rect">
+            <a:avLst/>
+          </a:prstGeom>
+        </p:spPr>
+        <p:style>
+          <a:lnRef idx="2">
+            <a:schemeClr val="accent1">
+              <a:shade val="50000"/>
+            </a:schemeClr>
+          </a:lnRef>
+          <a:fillRef idx="1">
+            <a:schemeClr val="accent1"/>
+          </a:fillRef>
+          <a:effectRef idx="0">
+            <a:schemeClr val="accent1"/>
+          </a:effectRef>
+          <a:fontRef idx="minor">
+            <a:schemeClr val="lt1"/>
+          </a:fontRef>
+        </p:style>
+        <p:txBody>
+          <a:bodyPr rtlCol="0" anchor="ctr"/>
+          <a:lstStyle/>
+          <a:p>
+            <a:pPr algn="ctr"/>
+            <a:r>
+              <a:rPr lang="en-US" dirty="0"/>
+              <a:t>Attendance</a:t>
+            </a:r>
+            <a:endParaRPr lang="en-IN" dirty="0"/>
+          </a:p>
+        </p:txBody>
+      </p:sp>
+      <p:sp>
+        <p:nvSpPr>
+          <p:cNvPr id="12" name="Rectangle 11">
+            <a:extLst>
+              <a:ext uri="{FF2B5EF4-FFF2-40B4-BE49-F238E27FC236}">
+                <a16:creationId xmlns:a16="http://schemas.microsoft.com/office/drawing/2014/main" id="{1E6C7B86-7BF0-4542-8D86-BC6975CD65AC}"/>
+              </a:ext>
+            </a:extLst>
+          </p:cNvPr>
+          <p:cNvSpPr/>
+          <p:nvPr/>
+        </p:nvSpPr>
+        <p:spPr>
+          <a:xfrm>
+            <a:off x="8428383" y="0"/>
+            <a:ext cx="1590261" cy="844826"/>
+          </a:xfrm>
+          <a:prstGeom prst="rect">
+            <a:avLst/>
+          </a:prstGeom>
+        </p:spPr>
+        <p:style>
+          <a:lnRef idx="2">
+            <a:schemeClr val="accent1">
+              <a:shade val="50000"/>
+            </a:schemeClr>
+          </a:lnRef>
+          <a:fillRef idx="1">
+            <a:schemeClr val="accent1"/>
+          </a:fillRef>
+          <a:effectRef idx="0">
+            <a:schemeClr val="accent1"/>
+          </a:effectRef>
+          <a:fontRef idx="minor">
+            <a:schemeClr val="lt1"/>
+          </a:fontRef>
+        </p:style>
+        <p:txBody>
+          <a:bodyPr rtlCol="0" anchor="ctr"/>
+          <a:lstStyle/>
+          <a:p>
+            <a:pPr algn="ctr"/>
+            <a:r>
+              <a:rPr lang="en-US" dirty="0"/>
+              <a:t>Reports</a:t>
+            </a:r>
+            <a:endParaRPr lang="en-IN" dirty="0"/>
+          </a:p>
+        </p:txBody>
+      </p:sp>
+      <p:sp>
+        <p:nvSpPr>
+          <p:cNvPr id="13" name="Rectangle 12">
+            <a:extLst>
+              <a:ext uri="{FF2B5EF4-FFF2-40B4-BE49-F238E27FC236}">
+                <a16:creationId xmlns:a16="http://schemas.microsoft.com/office/drawing/2014/main" id="{05EA3A02-1B08-4C64-9F1F-686170FD96CA}"/>
+              </a:ext>
+            </a:extLst>
+          </p:cNvPr>
+          <p:cNvSpPr/>
+          <p:nvPr/>
+        </p:nvSpPr>
+        <p:spPr>
+          <a:xfrm>
+            <a:off x="10601739" y="0"/>
+            <a:ext cx="1590261" cy="844826"/>
+          </a:xfrm>
+          <a:prstGeom prst="rect">
+            <a:avLst/>
+          </a:prstGeom>
+        </p:spPr>
+        <p:style>
+          <a:lnRef idx="2">
+            <a:schemeClr val="accent1">
+              <a:shade val="50000"/>
+            </a:schemeClr>
+          </a:lnRef>
+          <a:fillRef idx="1">
+            <a:schemeClr val="accent1"/>
+          </a:fillRef>
+          <a:effectRef idx="0">
+            <a:schemeClr val="accent1"/>
+          </a:effectRef>
+          <a:fontRef idx="minor">
+            <a:schemeClr val="lt1"/>
+          </a:fontRef>
+        </p:style>
+        <p:txBody>
+          <a:bodyPr rtlCol="0" anchor="ctr"/>
+          <a:lstStyle/>
+          <a:p>
+            <a:pPr algn="ctr"/>
+            <a:r>
+              <a:rPr lang="en-US" dirty="0"/>
+              <a:t>Logout</a:t>
+            </a:r>
+            <a:endParaRPr lang="en-IN" dirty="0"/>
+          </a:p>
+        </p:txBody>
+      </p:sp>
+      <p:sp>
+        <p:nvSpPr>
+          <p:cNvPr id="14" name="Rectangle 13">
+            <a:extLst>
+              <a:ext uri="{FF2B5EF4-FFF2-40B4-BE49-F238E27FC236}">
+                <a16:creationId xmlns:a16="http://schemas.microsoft.com/office/drawing/2014/main" id="{36484031-B4AE-4D14-B365-83676D006B81}"/>
+              </a:ext>
+            </a:extLst>
+          </p:cNvPr>
+          <p:cNvSpPr/>
+          <p:nvPr/>
+        </p:nvSpPr>
+        <p:spPr>
+          <a:xfrm>
+            <a:off x="363794" y="1162665"/>
+            <a:ext cx="11454580" cy="5506278"/>
+          </a:xfrm>
+          <a:prstGeom prst="rect">
+            <a:avLst/>
+          </a:prstGeom>
+          <a:solidFill>
+            <a:schemeClr val="bg1"/>
+          </a:solidFill>
+        </p:spPr>
+        <p:style>
+          <a:lnRef idx="2">
+            <a:schemeClr val="accent1">
+              <a:shade val="50000"/>
+            </a:schemeClr>
+          </a:lnRef>
+          <a:fillRef idx="1">
+            <a:schemeClr val="accent1"/>
+          </a:fillRef>
+          <a:effectRef idx="0">
+            <a:schemeClr val="accent1"/>
+          </a:effectRef>
+          <a:fontRef idx="minor">
+            <a:schemeClr val="lt1"/>
+          </a:fontRef>
+        </p:style>
+        <p:txBody>
+          <a:bodyPr rtlCol="0" anchor="ctr"/>
+          <a:lstStyle/>
+          <a:p>
+            <a:pPr algn="ctr"/>
+            <a:endParaRPr lang="en-IN"/>
+          </a:p>
+        </p:txBody>
+      </p:sp>
+      <p:sp>
+        <p:nvSpPr>
+          <p:cNvPr id="3" name="TextBox 2">
+            <a:extLst>
+              <a:ext uri="{FF2B5EF4-FFF2-40B4-BE49-F238E27FC236}">
+                <a16:creationId xmlns:a16="http://schemas.microsoft.com/office/drawing/2014/main" id="{19DBBA04-6010-4F8B-99D1-FFA403B293D2}"/>
+              </a:ext>
+            </a:extLst>
+          </p:cNvPr>
+          <p:cNvSpPr txBox="1"/>
+          <p:nvPr/>
+        </p:nvSpPr>
+        <p:spPr>
+          <a:xfrm>
+            <a:off x="772900" y="1331309"/>
+            <a:ext cx="2196549" cy="369332"/>
+          </a:xfrm>
+          <a:prstGeom prst="rect">
+            <a:avLst/>
+          </a:prstGeom>
+          <a:noFill/>
+        </p:spPr>
+        <p:txBody>
+          <a:bodyPr wrap="square" rtlCol="0">
+            <a:spAutoFit/>
+          </a:bodyPr>
+          <a:lstStyle/>
+          <a:p>
+            <a:r>
+              <a:rPr lang="en-US" dirty="0"/>
+              <a:t>Reports</a:t>
+            </a:r>
+            <a:endParaRPr lang="en-IN" dirty="0"/>
+          </a:p>
+        </p:txBody>
+      </p:sp>
+      <p:graphicFrame>
+        <p:nvGraphicFramePr>
+          <p:cNvPr id="20" name="Table 6">
+            <a:extLst>
+              <a:ext uri="{FF2B5EF4-FFF2-40B4-BE49-F238E27FC236}">
+                <a16:creationId xmlns:a16="http://schemas.microsoft.com/office/drawing/2014/main" id="{C9B09211-E010-456D-9D0B-B6D008CF3B76}"/>
+              </a:ext>
+            </a:extLst>
+          </p:cNvPr>
+          <p:cNvGraphicFramePr>
+            <a:graphicFrameLocks noGrp="1"/>
+          </p:cNvGraphicFramePr>
+          <p:nvPr/>
+        </p:nvGraphicFramePr>
+        <p:xfrm>
+          <a:off x="772900" y="2231560"/>
+          <a:ext cx="10726996" cy="3674752"/>
+        </p:xfrm>
+        <a:graphic>
+          <a:graphicData uri="http://schemas.openxmlformats.org/drawingml/2006/table">
+            <a:tbl>
+              <a:tblPr firstRow="1" bandRow="1">
+                <a:tableStyleId>{5C22544A-7EE6-4342-B048-85BDC9FD1C3A}</a:tableStyleId>
+              </a:tblPr>
+              <a:tblGrid>
+                <a:gridCol w="1532428">
+                  <a:extLst>
+                    <a:ext uri="{9D8B030D-6E8A-4147-A177-3AD203B41FA5}">
+                      <a16:colId xmlns:a16="http://schemas.microsoft.com/office/drawing/2014/main" val="4265905867"/>
+                    </a:ext>
+                  </a:extLst>
+                </a:gridCol>
+                <a:gridCol w="1532428">
+                  <a:extLst>
+                    <a:ext uri="{9D8B030D-6E8A-4147-A177-3AD203B41FA5}">
+                      <a16:colId xmlns:a16="http://schemas.microsoft.com/office/drawing/2014/main" val="710996202"/>
+                    </a:ext>
+                  </a:extLst>
+                </a:gridCol>
+                <a:gridCol w="1532428">
+                  <a:extLst>
+                    <a:ext uri="{9D8B030D-6E8A-4147-A177-3AD203B41FA5}">
+                      <a16:colId xmlns:a16="http://schemas.microsoft.com/office/drawing/2014/main" val="79681751"/>
+                    </a:ext>
+                  </a:extLst>
+                </a:gridCol>
+                <a:gridCol w="1532428">
+                  <a:extLst>
+                    <a:ext uri="{9D8B030D-6E8A-4147-A177-3AD203B41FA5}">
+                      <a16:colId xmlns:a16="http://schemas.microsoft.com/office/drawing/2014/main" val="4179028087"/>
+                    </a:ext>
+                  </a:extLst>
+                </a:gridCol>
+                <a:gridCol w="1532428">
+                  <a:extLst>
+                    <a:ext uri="{9D8B030D-6E8A-4147-A177-3AD203B41FA5}">
+                      <a16:colId xmlns:a16="http://schemas.microsoft.com/office/drawing/2014/main" val="376657765"/>
+                    </a:ext>
+                  </a:extLst>
+                </a:gridCol>
+                <a:gridCol w="1532428">
+                  <a:extLst>
+                    <a:ext uri="{9D8B030D-6E8A-4147-A177-3AD203B41FA5}">
+                      <a16:colId xmlns:a16="http://schemas.microsoft.com/office/drawing/2014/main" val="1101377135"/>
+                    </a:ext>
+                  </a:extLst>
+                </a:gridCol>
+                <a:gridCol w="1532428">
+                  <a:extLst>
+                    <a:ext uri="{9D8B030D-6E8A-4147-A177-3AD203B41FA5}">
+                      <a16:colId xmlns:a16="http://schemas.microsoft.com/office/drawing/2014/main" val="3419237463"/>
+                    </a:ext>
+                  </a:extLst>
+                </a:gridCol>
+              </a:tblGrid>
+              <a:tr h="0">
+                <a:tc>
+                  <a:txBody>
+                    <a:bodyPr/>
+                    <a:lstStyle/>
+                    <a:p>
+                      <a:pPr algn="ctr"/>
+                      <a:r>
+                        <a:rPr lang="en-US" dirty="0"/>
+                        <a:t>Student Name</a:t>
+                      </a:r>
+                      <a:endParaRPr lang="en-IN" dirty="0"/>
+                    </a:p>
+                  </a:txBody>
+                  <a:tcPr anchor="ctr"/>
+                </a:tc>
+                <a:tc>
+                  <a:txBody>
+                    <a:bodyPr/>
+                    <a:lstStyle/>
+                    <a:p>
+                      <a:pPr algn="ctr"/>
+                      <a:r>
+                        <a:rPr lang="en-US" dirty="0"/>
+                        <a:t>Roll Number</a:t>
+                      </a:r>
+                      <a:endParaRPr lang="en-IN" dirty="0"/>
+                    </a:p>
+                  </a:txBody>
+                  <a:tcPr anchor="ctr"/>
+                </a:tc>
+                <a:tc>
+                  <a:txBody>
+                    <a:bodyPr/>
+                    <a:lstStyle/>
+                    <a:p>
+                      <a:r>
+                        <a:rPr lang="en-US" dirty="0"/>
+                        <a:t>Class/Division</a:t>
+                      </a:r>
+                      <a:endParaRPr lang="en-IN" dirty="0"/>
+                    </a:p>
+                  </a:txBody>
+                  <a:tcPr anchor="ctr"/>
+                </a:tc>
+                <a:tc>
+                  <a:txBody>
+                    <a:bodyPr/>
+                    <a:lstStyle/>
+                    <a:p>
+                      <a:pPr algn="ctr"/>
+                      <a:r>
+                        <a:rPr lang="en-US" dirty="0"/>
+                        <a:t>Days of         present</a:t>
+                      </a:r>
+                      <a:endParaRPr lang="en-IN" dirty="0"/>
+                    </a:p>
+                  </a:txBody>
+                  <a:tcPr anchor="ctr"/>
+                </a:tc>
+                <a:tc>
+                  <a:txBody>
+                    <a:bodyPr/>
+                    <a:lstStyle/>
+                    <a:p>
+                      <a:pPr algn="ctr"/>
+                      <a:r>
+                        <a:rPr lang="en-US" dirty="0"/>
+                        <a:t>Days of absent</a:t>
+                      </a:r>
+                      <a:endParaRPr lang="en-IN" dirty="0"/>
+                    </a:p>
+                  </a:txBody>
+                  <a:tcPr anchor="ctr"/>
+                </a:tc>
+                <a:tc>
+                  <a:txBody>
+                    <a:bodyPr/>
+                    <a:lstStyle/>
+                    <a:p>
+                      <a:r>
+                        <a:rPr lang="en-US" dirty="0"/>
+                        <a:t>Days of leaves</a:t>
+                      </a:r>
+                      <a:endParaRPr lang="en-IN" dirty="0"/>
+                    </a:p>
+                  </a:txBody>
+                  <a:tcPr anchor="ctr"/>
+                </a:tc>
+                <a:tc>
+                  <a:txBody>
+                    <a:bodyPr/>
+                    <a:lstStyle/>
+                    <a:p>
+                      <a:pPr algn="l"/>
+                      <a:r>
+                        <a:rPr lang="en-US" dirty="0"/>
+                        <a:t>     Report</a:t>
+                      </a:r>
+                      <a:endParaRPr lang="en-IN" dirty="0"/>
+                    </a:p>
+                  </a:txBody>
+                  <a:tcPr anchor="ctr"/>
+                </a:tc>
+                <a:extLst>
+                  <a:ext uri="{0D108BD9-81ED-4DB2-BD59-A6C34878D82A}">
+                    <a16:rowId xmlns:a16="http://schemas.microsoft.com/office/drawing/2014/main" val="540446122"/>
+                  </a:ext>
+                </a:extLst>
+              </a:tr>
+              <a:tr h="758668">
+                <a:tc>
+                  <a:txBody>
+                    <a:bodyPr/>
+                    <a:lstStyle/>
+                    <a:p>
+                      <a:endParaRPr lang="en-IN"/>
+                    </a:p>
+                  </a:txBody>
+                  <a:tcPr/>
+                </a:tc>
+                <a:tc>
+                  <a:txBody>
+                    <a:bodyPr/>
+                    <a:lstStyle/>
+                    <a:p>
+                      <a:endParaRPr lang="en-IN"/>
+                    </a:p>
+                  </a:txBody>
+                  <a:tcPr/>
+                </a:tc>
+                <a:tc>
+                  <a:txBody>
+                    <a:bodyPr/>
+                    <a:lstStyle/>
+                    <a:p>
+                      <a:endParaRPr lang="en-IN"/>
+                    </a:p>
+                  </a:txBody>
+                  <a:tcPr/>
+                </a:tc>
+                <a:tc>
+                  <a:txBody>
+                    <a:bodyPr/>
+                    <a:lstStyle/>
+                    <a:p>
+                      <a:endParaRPr lang="en-IN" dirty="0"/>
+                    </a:p>
+                  </a:txBody>
+                  <a:tcPr/>
+                </a:tc>
+                <a:tc>
+                  <a:txBody>
+                    <a:bodyPr/>
+                    <a:lstStyle/>
+                    <a:p>
+                      <a:endParaRPr lang="en-IN"/>
+                    </a:p>
+                  </a:txBody>
+                  <a:tcPr/>
+                </a:tc>
+                <a:tc>
+                  <a:txBody>
+                    <a:bodyPr/>
+                    <a:lstStyle/>
+                    <a:p>
+                      <a:endParaRPr lang="en-IN"/>
+                    </a:p>
+                  </a:txBody>
+                  <a:tcPr/>
+                </a:tc>
+                <a:tc>
+                  <a:txBody>
+                    <a:bodyPr/>
+                    <a:lstStyle/>
+                    <a:p>
+                      <a:endParaRPr lang="en-IN"/>
+                    </a:p>
+                  </a:txBody>
+                  <a:tcPr/>
+                </a:tc>
+                <a:extLst>
+                  <a:ext uri="{0D108BD9-81ED-4DB2-BD59-A6C34878D82A}">
+                    <a16:rowId xmlns:a16="http://schemas.microsoft.com/office/drawing/2014/main" val="1324766443"/>
+                  </a:ext>
+                </a:extLst>
+              </a:tr>
+              <a:tr h="758668">
+                <a:tc>
+                  <a:txBody>
+                    <a:bodyPr/>
+                    <a:lstStyle/>
+                    <a:p>
+                      <a:endParaRPr lang="en-IN"/>
+                    </a:p>
+                  </a:txBody>
+                  <a:tcPr/>
+                </a:tc>
+                <a:tc>
+                  <a:txBody>
+                    <a:bodyPr/>
+                    <a:lstStyle/>
+                    <a:p>
+                      <a:endParaRPr lang="en-IN" dirty="0"/>
+                    </a:p>
+                  </a:txBody>
+                  <a:tcPr/>
+                </a:tc>
+                <a:tc>
+                  <a:txBody>
+                    <a:bodyPr/>
+                    <a:lstStyle/>
+                    <a:p>
+                      <a:endParaRPr lang="en-IN" dirty="0"/>
+                    </a:p>
+                  </a:txBody>
+                  <a:tcPr/>
+                </a:tc>
+                <a:tc>
+                  <a:txBody>
+                    <a:bodyPr/>
+                    <a:lstStyle/>
+                    <a:p>
+                      <a:endParaRPr lang="en-IN"/>
+                    </a:p>
+                  </a:txBody>
+                  <a:tcPr/>
+                </a:tc>
+                <a:tc>
+                  <a:txBody>
+                    <a:bodyPr/>
+                    <a:lstStyle/>
+                    <a:p>
+                      <a:endParaRPr lang="en-IN"/>
+                    </a:p>
+                  </a:txBody>
+                  <a:tcPr/>
+                </a:tc>
+                <a:tc>
+                  <a:txBody>
+                    <a:bodyPr/>
+                    <a:lstStyle/>
+                    <a:p>
+                      <a:endParaRPr lang="en-IN"/>
+                    </a:p>
+                  </a:txBody>
+                  <a:tcPr/>
+                </a:tc>
+                <a:tc>
+                  <a:txBody>
+                    <a:bodyPr/>
+                    <a:lstStyle/>
+                    <a:p>
+                      <a:endParaRPr lang="en-IN"/>
+                    </a:p>
+                  </a:txBody>
+                  <a:tcPr/>
+                </a:tc>
+                <a:extLst>
+                  <a:ext uri="{0D108BD9-81ED-4DB2-BD59-A6C34878D82A}">
+                    <a16:rowId xmlns:a16="http://schemas.microsoft.com/office/drawing/2014/main" val="1587606525"/>
+                  </a:ext>
+                </a:extLst>
+              </a:tr>
+              <a:tr h="758668">
+                <a:tc>
+                  <a:txBody>
+                    <a:bodyPr/>
+                    <a:lstStyle/>
+                    <a:p>
+                      <a:endParaRPr lang="en-IN" dirty="0"/>
+                    </a:p>
+                  </a:txBody>
+                  <a:tcPr/>
+                </a:tc>
+                <a:tc>
+                  <a:txBody>
+                    <a:bodyPr/>
+                    <a:lstStyle/>
+                    <a:p>
+                      <a:endParaRPr lang="en-IN"/>
+                    </a:p>
+                  </a:txBody>
+                  <a:tcPr/>
+                </a:tc>
+                <a:tc>
+                  <a:txBody>
+                    <a:bodyPr/>
+                    <a:lstStyle/>
+                    <a:p>
+                      <a:endParaRPr lang="en-IN"/>
+                    </a:p>
+                  </a:txBody>
+                  <a:tcPr/>
+                </a:tc>
+                <a:tc>
+                  <a:txBody>
+                    <a:bodyPr/>
+                    <a:lstStyle/>
+                    <a:p>
+                      <a:endParaRPr lang="en-IN"/>
+                    </a:p>
+                  </a:txBody>
+                  <a:tcPr/>
+                </a:tc>
+                <a:tc>
+                  <a:txBody>
+                    <a:bodyPr/>
+                    <a:lstStyle/>
+                    <a:p>
+                      <a:endParaRPr lang="en-IN"/>
+                    </a:p>
+                  </a:txBody>
+                  <a:tcPr/>
+                </a:tc>
+                <a:tc>
+                  <a:txBody>
+                    <a:bodyPr/>
+                    <a:lstStyle/>
+                    <a:p>
+                      <a:endParaRPr lang="en-IN"/>
+                    </a:p>
+                  </a:txBody>
+                  <a:tcPr/>
+                </a:tc>
+                <a:tc>
+                  <a:txBody>
+                    <a:bodyPr/>
+                    <a:lstStyle/>
+                    <a:p>
+                      <a:endParaRPr lang="en-IN" dirty="0"/>
+                    </a:p>
+                  </a:txBody>
+                  <a:tcPr/>
+                </a:tc>
+                <a:extLst>
+                  <a:ext uri="{0D108BD9-81ED-4DB2-BD59-A6C34878D82A}">
+                    <a16:rowId xmlns:a16="http://schemas.microsoft.com/office/drawing/2014/main" val="1760367868"/>
+                  </a:ext>
+                </a:extLst>
+              </a:tr>
+              <a:tr h="758668">
+                <a:tc>
+                  <a:txBody>
+                    <a:bodyPr/>
+                    <a:lstStyle/>
+                    <a:p>
+                      <a:endParaRPr lang="en-IN"/>
+                    </a:p>
+                  </a:txBody>
+                  <a:tcPr/>
+                </a:tc>
+                <a:tc>
+                  <a:txBody>
+                    <a:bodyPr/>
+                    <a:lstStyle/>
+                    <a:p>
+                      <a:endParaRPr lang="en-IN"/>
+                    </a:p>
+                  </a:txBody>
+                  <a:tcPr/>
+                </a:tc>
+                <a:tc>
+                  <a:txBody>
+                    <a:bodyPr/>
+                    <a:lstStyle/>
+                    <a:p>
+                      <a:endParaRPr lang="en-IN"/>
+                    </a:p>
+                  </a:txBody>
+                  <a:tcPr/>
+                </a:tc>
+                <a:tc>
+                  <a:txBody>
+                    <a:bodyPr/>
+                    <a:lstStyle/>
+                    <a:p>
+                      <a:endParaRPr lang="en-IN"/>
+                    </a:p>
+                  </a:txBody>
+                  <a:tcPr/>
+                </a:tc>
+                <a:tc>
+                  <a:txBody>
+                    <a:bodyPr/>
+                    <a:lstStyle/>
+                    <a:p>
+                      <a:endParaRPr lang="en-IN"/>
+                    </a:p>
+                  </a:txBody>
+                  <a:tcPr/>
+                </a:tc>
+                <a:tc>
+                  <a:txBody>
+                    <a:bodyPr/>
+                    <a:lstStyle/>
+                    <a:p>
+                      <a:endParaRPr lang="en-IN"/>
+                    </a:p>
+                  </a:txBody>
+                  <a:tcPr/>
+                </a:tc>
+                <a:tc>
+                  <a:txBody>
+                    <a:bodyPr/>
+                    <a:lstStyle/>
+                    <a:p>
+                      <a:endParaRPr lang="en-IN" dirty="0"/>
+                    </a:p>
+                  </a:txBody>
+                  <a:tcPr/>
+                </a:tc>
+                <a:extLst>
+                  <a:ext uri="{0D108BD9-81ED-4DB2-BD59-A6C34878D82A}">
+                    <a16:rowId xmlns:a16="http://schemas.microsoft.com/office/drawing/2014/main" val="1522128291"/>
+                  </a:ext>
+                </a:extLst>
+              </a:tr>
+            </a:tbl>
+          </a:graphicData>
+        </a:graphic>
+      </p:graphicFrame>
+    </p:spTree>
+    <p:extLst>
+      <p:ext uri="{BB962C8B-B14F-4D97-AF65-F5344CB8AC3E}">
+        <p14:creationId xmlns:p14="http://schemas.microsoft.com/office/powerpoint/2010/main" val="2337647512"/>
       </p:ext>
     </p:extLst>
   </p:cSld>
